--- a/trunk/junaid_presentation_v1.pptx
+++ b/trunk/junaid_presentation_v1.pptx
@@ -2,31 +2,30 @@
 <file path=ppt/presentation.xml><?xml version="1.0" encoding="utf-8"?>
 <p:presentation xmlns:a="http://schemas.openxmlformats.org/drawingml/2006/main" xmlns:r="http://schemas.openxmlformats.org/officeDocument/2006/relationships" xmlns:p="http://schemas.openxmlformats.org/presentationml/2006/main" saveSubsetFonts="1">
   <p:sldMasterIdLst>
-    <p:sldMasterId id="2147483830" r:id="rId1"/>
+    <p:sldMasterId id="2147483830" r:id="rId2"/>
   </p:sldMasterIdLst>
   <p:notesMasterIdLst>
     <p:notesMasterId r:id="rId21"/>
   </p:notesMasterIdLst>
   <p:sldIdLst>
-    <p:sldId id="256" r:id="rId2"/>
-    <p:sldId id="265" r:id="rId3"/>
-    <p:sldId id="257" r:id="rId4"/>
-    <p:sldId id="258" r:id="rId5"/>
-    <p:sldId id="259" r:id="rId6"/>
-    <p:sldId id="266" r:id="rId7"/>
-    <p:sldId id="260" r:id="rId8"/>
-    <p:sldId id="261" r:id="rId9"/>
-    <p:sldId id="262" r:id="rId10"/>
-    <p:sldId id="263" r:id="rId11"/>
-    <p:sldId id="264" r:id="rId12"/>
-    <p:sldId id="276" r:id="rId13"/>
-    <p:sldId id="268" r:id="rId14"/>
-    <p:sldId id="269" r:id="rId15"/>
-    <p:sldId id="272" r:id="rId16"/>
-    <p:sldId id="270" r:id="rId17"/>
-    <p:sldId id="273" r:id="rId18"/>
-    <p:sldId id="274" r:id="rId19"/>
-    <p:sldId id="275" r:id="rId20"/>
+    <p:sldId id="256" r:id="rId3"/>
+    <p:sldId id="265" r:id="rId4"/>
+    <p:sldId id="257" r:id="rId5"/>
+    <p:sldId id="258" r:id="rId6"/>
+    <p:sldId id="259" r:id="rId7"/>
+    <p:sldId id="266" r:id="rId8"/>
+    <p:sldId id="260" r:id="rId9"/>
+    <p:sldId id="261" r:id="rId10"/>
+    <p:sldId id="262" r:id="rId11"/>
+    <p:sldId id="263" r:id="rId12"/>
+    <p:sldId id="264" r:id="rId13"/>
+    <p:sldId id="276" r:id="rId14"/>
+    <p:sldId id="268" r:id="rId15"/>
+    <p:sldId id="269" r:id="rId16"/>
+    <p:sldId id="272" r:id="rId17"/>
+    <p:sldId id="270" r:id="rId18"/>
+    <p:sldId id="273" r:id="rId19"/>
+    <p:sldId id="274" r:id="rId20"/>
   </p:sldIdLst>
   <p:sldSz cx="9144000" cy="6858000" type="screen4x3"/>
   <p:notesSz cx="6858000" cy="9144000"/>
@@ -125,6 +124,22 @@
       </a:defRPr>
     </a:lvl9pPr>
   </p:defaultTextStyle>
+  <p:extLst>
+    <p:ext uri="{EFAFB233-063F-42B5-8137-9DF3F51BA10A}">
+      <p15:sldGuideLst xmlns:p15="http://schemas.microsoft.com/office/powerpoint/2012/main">
+        <p15:guide id="1" orient="horz" pos="2160">
+          <p15:clr>
+            <a:srgbClr val="A4A3A4"/>
+          </p15:clr>
+        </p15:guide>
+        <p15:guide id="2" pos="2880">
+          <p15:clr>
+            <a:srgbClr val="A4A3A4"/>
+          </p15:clr>
+        </p15:guide>
+      </p15:sldGuideLst>
+    </p:ext>
+  </p:extLst>
 </p:presentation>
 </file>
 
@@ -211,7 +226,7 @@
             <a:fld id="{0BB77A5E-9AEA-4E35-94FB-1EBF659B492A}" type="datetimeFigureOut">
               <a:rPr lang="en-US" smtClean="0"/>
               <a:pPr/>
-              <a:t>9/11/2013</a:t>
+              <a:t>9/13/2013</a:t>
             </a:fld>
             <a:endParaRPr lang="en-US"/>
           </a:p>
@@ -380,6 +395,11 @@
         </p:txBody>
       </p:sp>
     </p:spTree>
+    <p:extLst>
+      <p:ext uri="{BB962C8B-B14F-4D97-AF65-F5344CB8AC3E}">
+        <p14:creationId xmlns:p14="http://schemas.microsoft.com/office/powerpoint/2010/main" val="2938669800"/>
+      </p:ext>
+    </p:extLst>
   </p:cSld>
   <p:clrMap bg1="lt1" tx1="dk1" bg2="lt2" tx2="dk2" accent1="accent1" accent2="accent2" accent3="accent3" accent4="accent4" accent5="accent5" accent6="accent6" hlink="hlink" folHlink="folHlink"/>
   <p:notesStyle>
@@ -552,6 +572,11 @@
         </p:txBody>
       </p:sp>
     </p:spTree>
+    <p:extLst>
+      <p:ext uri="{BB962C8B-B14F-4D97-AF65-F5344CB8AC3E}">
+        <p14:creationId xmlns:p14="http://schemas.microsoft.com/office/powerpoint/2010/main" val="2338987515"/>
+      </p:ext>
+    </p:extLst>
   </p:cSld>
   <p:clrMapOvr>
     <a:masterClrMapping/>
@@ -725,6 +750,11 @@
         </p:txBody>
       </p:sp>
     </p:spTree>
+    <p:extLst>
+      <p:ext uri="{BB962C8B-B14F-4D97-AF65-F5344CB8AC3E}">
+        <p14:creationId xmlns:p14="http://schemas.microsoft.com/office/powerpoint/2010/main" val="3728121321"/>
+      </p:ext>
+    </p:extLst>
   </p:cSld>
   <p:clrMapOvr>
     <a:masterClrMapping/>
@@ -899,6 +929,11 @@
         </p:txBody>
       </p:sp>
     </p:spTree>
+    <p:extLst>
+      <p:ext uri="{BB962C8B-B14F-4D97-AF65-F5344CB8AC3E}">
+        <p14:creationId xmlns:p14="http://schemas.microsoft.com/office/powerpoint/2010/main" val="3589294838"/>
+      </p:ext>
+    </p:extLst>
   </p:cSld>
   <p:clrMapOvr>
     <a:masterClrMapping/>
@@ -1080,7 +1115,7 @@
             <a:fld id="{1D8BD707-D9CF-40AE-B4C6-C98DA3205C09}" type="datetimeFigureOut">
               <a:rPr lang="en-US" smtClean="0"/>
               <a:pPr/>
-              <a:t>9/11/2013</a:t>
+              <a:t>9/13/2013</a:t>
             </a:fld>
             <a:endParaRPr lang="en-US" dirty="0"/>
           </a:p>
@@ -1247,7 +1282,7 @@
             <a:fld id="{1D8BD707-D9CF-40AE-B4C6-C98DA3205C09}" type="datetimeFigureOut">
               <a:rPr lang="en-US" smtClean="0"/>
               <a:pPr/>
-              <a:t>9/11/2013</a:t>
+              <a:t>9/13/2013</a:t>
             </a:fld>
             <a:endParaRPr lang="en-US" dirty="0"/>
           </a:p>
@@ -1424,7 +1459,7 @@
             <a:fld id="{1D8BD707-D9CF-40AE-B4C6-C98DA3205C09}" type="datetimeFigureOut">
               <a:rPr lang="en-US" smtClean="0"/>
               <a:pPr/>
-              <a:t>9/11/2013</a:t>
+              <a:t>9/13/2013</a:t>
             </a:fld>
             <a:endParaRPr lang="en-US" dirty="0"/>
           </a:p>
@@ -1591,7 +1626,7 @@
             <a:fld id="{1D8BD707-D9CF-40AE-B4C6-C98DA3205C09}" type="datetimeFigureOut">
               <a:rPr lang="en-US" smtClean="0"/>
               <a:pPr/>
-              <a:t>9/11/2013</a:t>
+              <a:t>9/13/2013</a:t>
             </a:fld>
             <a:endParaRPr lang="en-US" dirty="0"/>
           </a:p>
@@ -1835,7 +1870,7 @@
             <a:fld id="{1D8BD707-D9CF-40AE-B4C6-C98DA3205C09}" type="datetimeFigureOut">
               <a:rPr lang="en-US" smtClean="0"/>
               <a:pPr/>
-              <a:t>9/11/2013</a:t>
+              <a:t>9/13/2013</a:t>
             </a:fld>
             <a:endParaRPr lang="en-US" dirty="0"/>
           </a:p>
@@ -2101,7 +2136,7 @@
             <a:fld id="{1D8BD707-D9CF-40AE-B4C6-C98DA3205C09}" type="datetimeFigureOut">
               <a:rPr lang="en-US" smtClean="0"/>
               <a:pPr/>
-              <a:t>9/11/2013</a:t>
+              <a:t>9/13/2013</a:t>
             </a:fld>
             <a:endParaRPr lang="en-US" dirty="0"/>
           </a:p>
@@ -2481,7 +2516,7 @@
             <a:fld id="{1D8BD707-D9CF-40AE-B4C6-C98DA3205C09}" type="datetimeFigureOut">
               <a:rPr lang="en-US" smtClean="0"/>
               <a:pPr/>
-              <a:t>9/11/2013</a:t>
+              <a:t>9/13/2013</a:t>
             </a:fld>
             <a:endParaRPr lang="en-US" dirty="0"/>
           </a:p>
@@ -2633,7 +2668,7 @@
             <a:fld id="{1D8BD707-D9CF-40AE-B4C6-C98DA3205C09}" type="datetimeFigureOut">
               <a:rPr lang="en-US" smtClean="0"/>
               <a:pPr/>
-              <a:t>9/11/2013</a:t>
+              <a:t>9/13/2013</a:t>
             </a:fld>
             <a:endParaRPr lang="en-US" dirty="0"/>
           </a:p>
@@ -2725,7 +2760,7 @@
             <a:fld id="{1D8BD707-D9CF-40AE-B4C6-C98DA3205C09}" type="datetimeFigureOut">
               <a:rPr lang="en-US" smtClean="0"/>
               <a:pPr/>
-              <a:t>9/11/2013</a:t>
+              <a:t>9/13/2013</a:t>
             </a:fld>
             <a:endParaRPr lang="en-US" dirty="0"/>
           </a:p>
@@ -2988,7 +3023,7 @@
             <a:fld id="{1D8BD707-D9CF-40AE-B4C6-C98DA3205C09}" type="datetimeFigureOut">
               <a:rPr lang="en-US" smtClean="0"/>
               <a:pPr/>
-              <a:t>9/11/2013</a:t>
+              <a:t>9/13/2013</a:t>
             </a:fld>
             <a:endParaRPr lang="en-US" dirty="0"/>
           </a:p>
@@ -3278,7 +3313,7 @@
             <a:fld id="{1D8BD707-D9CF-40AE-B4C6-C98DA3205C09}" type="datetimeFigureOut">
               <a:rPr lang="en-US" smtClean="0"/>
               <a:pPr/>
-              <a:t>9/11/2013</a:t>
+              <a:t>9/13/2013</a:t>
             </a:fld>
             <a:endParaRPr lang="en-US" dirty="0"/>
           </a:p>
@@ -4051,7 +4086,7 @@
             <a:fld id="{1D8BD707-D9CF-40AE-B4C6-C98DA3205C09}" type="datetimeFigureOut">
               <a:rPr lang="en-US" smtClean="0"/>
               <a:pPr/>
-              <a:t>9/11/2013</a:t>
+              <a:t>9/13/2013</a:t>
             </a:fld>
             <a:endParaRPr lang="en-US" dirty="0"/>
           </a:p>
@@ -4682,7 +4717,7 @@
         </p:nvSpPr>
         <p:spPr>
           <a:xfrm>
-            <a:off x="533400" y="533400"/>
+            <a:off x="536448" y="990600"/>
             <a:ext cx="7851648" cy="3200400"/>
           </a:xfrm>
         </p:spPr>
@@ -4856,7 +4891,7 @@
             <a:pPr algn="l"/>
             <a:r>
               <a:rPr lang="en-US" dirty="0" smtClean="0"/>
-              <a:t>Muhammad Junaid Nasir		(10-0361)</a:t>
+              <a:t>Muhammad Junaid Nasir			(10-0361)</a:t>
             </a:r>
             <a:endParaRPr lang="en-US" dirty="0"/>
           </a:p>
@@ -4960,7 +4995,6 @@
               <a:rPr lang="en-US" dirty="0" smtClean="0"/>
               <a:t>++</a:t>
             </a:r>
-            <a:endParaRPr lang="en-US" dirty="0" smtClean="0"/>
           </a:p>
           <a:p>
             <a:pPr lvl="1"/>
@@ -5154,7 +5188,7 @@
             </a:r>
             <a:r>
               <a:rPr lang="en-US" dirty="0" smtClean="0"/>
-              <a:t> 	</a:t>
+              <a:t> </a:t>
             </a:r>
             <a:r>
               <a:rPr lang="en-US" dirty="0" err="1" smtClean="0"/>
@@ -5162,7 +5196,15 @@
             </a:r>
             <a:r>
               <a:rPr lang="en-US" dirty="0" smtClean="0"/>
-              <a:t>, “Negative Index Materials (NIMs)”,</a:t>
+              <a:t>, “Negative Index Materials (NIMs)”, Royal </a:t>
+            </a:r>
+            <a:r>
+              <a:rPr lang="en-US" dirty="0" err="1" smtClean="0"/>
+              <a:t>Institue</a:t>
+            </a:r>
+            <a:r>
+              <a:rPr lang="en-US" dirty="0" smtClean="0"/>
+              <a:t> of Technology KTH</a:t>
             </a:r>
           </a:p>
           <a:p>
@@ -5313,7 +5355,12 @@
             <p:ph type="title"/>
           </p:nvPr>
         </p:nvSpPr>
-        <p:spPr/>
+        <p:spPr>
+          <a:xfrm>
+            <a:off x="457200" y="2971800"/>
+            <a:ext cx="8229600" cy="1143000"/>
+          </a:xfrm>
+        </p:spPr>
         <p:txBody>
           <a:bodyPr>
             <a:normAutofit/>
@@ -5322,28 +5369,9 @@
           <a:p>
             <a:r>
               <a:rPr lang="en-US" dirty="0" smtClean="0"/>
-              <a:t>Questions???</a:t>
+              <a:t>Questions ?</a:t>
             </a:r>
             <a:endParaRPr lang="en-US" dirty="0"/>
-          </a:p>
-        </p:txBody>
-      </p:sp>
-      <p:sp>
-        <p:nvSpPr>
-          <p:cNvPr id="3" name="Content Placeholder 2"/>
-          <p:cNvSpPr>
-            <a:spLocks noGrp="1"/>
-          </p:cNvSpPr>
-          <p:nvPr>
-            <p:ph idx="1"/>
-          </p:nvPr>
-        </p:nvSpPr>
-        <p:spPr/>
-        <p:txBody>
-          <a:bodyPr/>
-          <a:lstStyle/>
-          <a:p>
-            <a:endParaRPr lang="en-US"/>
           </a:p>
         </p:txBody>
       </p:sp>
@@ -5389,11 +5417,7 @@
           <a:p>
             <a:r>
               <a:rPr lang="en-US" b="1" dirty="0" smtClean="0"/>
-              <a:t>How FDTD </a:t>
-            </a:r>
-            <a:r>
-              <a:rPr lang="en-US" b="1" dirty="0" smtClean="0"/>
-              <a:t>Works???</a:t>
+              <a:t>How FDTD Works???</a:t>
             </a:r>
             <a:endParaRPr lang="en-US" b="1" dirty="0"/>
           </a:p>
@@ -6119,69 +6143,13 @@
   <p:clrMapOvr>
     <a:masterClrMapping/>
   </p:clrMapOvr>
-</p:sld>
-</file>
-
-<file path=ppt/slides/slide19.xml><?xml version="1.0" encoding="utf-8"?>
-<p:sld xmlns:a="http://schemas.openxmlformats.org/drawingml/2006/main" xmlns:r="http://schemas.openxmlformats.org/officeDocument/2006/relationships" xmlns:p="http://schemas.openxmlformats.org/presentationml/2006/main">
-  <p:cSld>
-    <p:spTree>
-      <p:nvGrpSpPr>
-        <p:cNvPr id="1" name=""/>
-        <p:cNvGrpSpPr/>
-        <p:nvPr/>
-      </p:nvGrpSpPr>
-      <p:grpSpPr>
-        <a:xfrm>
-          <a:off x="0" y="0"/>
-          <a:ext cx="0" cy="0"/>
-          <a:chOff x="0" y="0"/>
-          <a:chExt cx="0" cy="0"/>
-        </a:xfrm>
-      </p:grpSpPr>
-      <p:sp>
-        <p:nvSpPr>
-          <p:cNvPr id="2" name="Title 1"/>
-          <p:cNvSpPr>
-            <a:spLocks noGrp="1"/>
-          </p:cNvSpPr>
-          <p:nvPr>
-            <p:ph type="title"/>
-          </p:nvPr>
-        </p:nvSpPr>
-        <p:spPr/>
-        <p:txBody>
-          <a:bodyPr/>
-          <a:lstStyle/>
-          <a:p>
-            <a:endParaRPr lang="en-US"/>
-          </a:p>
-        </p:txBody>
-      </p:sp>
-      <p:sp>
-        <p:nvSpPr>
-          <p:cNvPr id="3" name="Content Placeholder 2"/>
-          <p:cNvSpPr>
-            <a:spLocks noGrp="1"/>
-          </p:cNvSpPr>
-          <p:nvPr>
-            <p:ph idx="1"/>
-          </p:nvPr>
-        </p:nvSpPr>
-        <p:spPr/>
-        <p:txBody>
-          <a:bodyPr/>
-          <a:lstStyle/>
-          <a:p>
-            <a:endParaRPr lang="en-US"/>
-          </a:p>
-        </p:txBody>
-      </p:sp>
-    </p:spTree>
-  </p:cSld>
-  <p:clrMapOvr>
-    <a:masterClrMapping/>
-  </p:clrMapOvr>
+  <p:timing>
+    <p:tnLst>
+      <p:par>
+        <p:cTn id="1" dur="indefinite" restart="never" nodeType="tmRoot"/>
+      </p:par>
+    </p:tnLst>
+  </p:timing>
 </p:sld>
 </file>
 
@@ -6219,7 +6187,7 @@
           <a:p>
             <a:r>
               <a:rPr lang="en-US" dirty="0" smtClean="0"/>
-              <a:t>Problem Statement (Novelty)</a:t>
+              <a:t>Problem Statement</a:t>
             </a:r>
             <a:endParaRPr lang="en-US" dirty="0"/>
           </a:p>
@@ -6250,13 +6218,8 @@
             <a:pPr algn="just"/>
             <a:r>
               <a:rPr lang="en-US" dirty="0" smtClean="0"/>
-              <a:t>To use FDTD algorithm and modify it for negative index material </a:t>
-            </a:r>
-            <a:r>
-              <a:rPr lang="en-US" dirty="0" smtClean="0"/>
-              <a:t>simulations</a:t>
-            </a:r>
-            <a:endParaRPr lang="en-US" dirty="0" smtClean="0"/>
+              <a:t>To use FDTD algorithm and modify it for negative index material simulations</a:t>
+            </a:r>
           </a:p>
         </p:txBody>
       </p:sp>
@@ -6335,11 +6298,7 @@
             <a:pPr algn="just"/>
             <a:r>
               <a:rPr lang="en-US" dirty="0" smtClean="0"/>
-              <a:t>Finite-Difference Time-Domain </a:t>
-            </a:r>
-            <a:r>
-              <a:rPr lang="en-US" dirty="0" smtClean="0"/>
-              <a:t>(FDTD) is one of the most efficient techniques of differential time domain numerical modeling methods.</a:t>
+              <a:t>Finite-Difference Time-Domain (FDTD) is one of the most efficient techniques of differential time domain numerical modeling methods.</a:t>
             </a:r>
           </a:p>
           <a:p>
@@ -6358,8 +6317,9 @@
             <a:r>
               <a:rPr lang="en-US" dirty="0" smtClean="0">
                 <a:solidFill>
-                  <a:schemeClr val="bg1">
-                    <a:lumMod val="50000"/>
+                  <a:schemeClr val="tx1">
+                    <a:lumMod val="85000"/>
+                    <a:lumOff val="15000"/>
                   </a:schemeClr>
                 </a:solidFill>
               </a:rPr>
@@ -7886,4 +7846,18 @@
   <a:objectDefaults/>
   <a:extraClrSchemeLst/>
 </a:theme>
+</file>
+
+<file path=customXml/item1.xml><?xml version="1.0" encoding="utf-8"?>
+<Control xmlns="http://schemas.microsoft.com/VisualStudio/2011/storyboarding/control">
+  <Id Name="System.Storyboarding.Backgrounds.DesktopTaskbar" Revision="1" Stencil="System.Storyboarding.Backgrounds" StencilVersion="0.1"/>
+</Control>
+</file>
+
+<file path=customXml/itemProps1.xml><?xml version="1.0" encoding="utf-8"?>
+<ds:datastoreItem xmlns:ds="http://schemas.openxmlformats.org/officeDocument/2006/customXml" ds:itemID="{2B13F6F4-3402-4DCF-9257-EFEF2228F418}">
+  <ds:schemaRefs>
+    <ds:schemaRef ds:uri="http://schemas.microsoft.com/VisualStudio/2011/storyboarding/control"/>
+  </ds:schemaRefs>
+</ds:datastoreItem>
 </file>
--- a/trunk/junaid_presentation_v1.pptx
+++ b/trunk/junaid_presentation_v1.pptx
@@ -625,103 +625,297 @@
         </p:nvSpPr>
         <p:spPr/>
         <p:txBody>
-          <a:bodyPr>
-            <a:normAutofit/>
-          </a:bodyPr>
-          <a:lstStyle/>
-          <a:p>
-            <a:r>
-              <a:rPr lang="en-US" sz="1200" b="0" i="0" kern="1200" dirty="0" smtClean="0">
+          <a:bodyPr/>
+          <a:lstStyle/>
+          <a:p>
+            <a:r>
+              <a:rPr lang="en-GB" sz="1200" b="0" i="0" kern="1200" dirty="0" smtClean="0">
                 <a:solidFill>
                   <a:schemeClr val="tx1"/>
                 </a:solidFill>
+                <a:effectLst/>
                 <a:latin typeface="+mn-lt"/>
                 <a:ea typeface="+mn-ea"/>
                 <a:cs typeface="+mn-cs"/>
               </a:rPr>
-              <a:t> This is accomplished by manipulating the paths traversed by light through a novel optical material. </a:t>
-            </a:r>
-            <a:r>
-              <a:rPr lang="en-US" sz="1200" b="0" i="0" kern="1200" dirty="0" err="1" smtClean="0">
+              <a:t> change in the E-field in time (the time derivative) is dependent on the change in the H-field across space (</a:t>
+            </a:r>
+            <a:r>
+              <a:rPr lang="en-GB" sz="1200" b="0" i="0" kern="1200" dirty="0" smtClean="0">
                 <a:solidFill>
-                  <a:schemeClr val="tx1"/>
+                  <a:schemeClr val="tx1">
+                    <a:lumMod val="50000"/>
+                    <a:lumOff val="50000"/>
+                  </a:schemeClr>
                 </a:solidFill>
+                <a:effectLst/>
                 <a:latin typeface="+mn-lt"/>
                 <a:ea typeface="+mn-ea"/>
                 <a:cs typeface="+mn-cs"/>
               </a:rPr>
-              <a:t>Metamaterials</a:t>
-            </a:r>
-            <a:r>
-              <a:rPr lang="en-US" sz="1200" b="0" i="0" kern="1200" dirty="0" smtClean="0">
+              <a:t>the</a:t>
+            </a:r>
+            <a:r>
+              <a:rPr lang="en-GB" sz="1200" b="0" i="0" kern="1200" baseline="0" dirty="0" smtClean="0">
                 <a:solidFill>
-                  <a:schemeClr val="tx1"/>
+                  <a:schemeClr val="tx1">
+                    <a:lumMod val="50000"/>
+                    <a:lumOff val="50000"/>
+                  </a:schemeClr>
                 </a:solidFill>
+                <a:effectLst/>
                 <a:latin typeface="+mn-lt"/>
                 <a:ea typeface="+mn-ea"/>
                 <a:cs typeface="+mn-cs"/>
               </a:rPr>
-              <a:t> direct and control the </a:t>
-            </a:r>
-            <a:r>
-              <a:rPr lang="en-US" sz="1200" b="0" i="0" u="none" strike="noStrike" kern="1200" dirty="0" smtClean="0">
+              <a:t> curl)</a:t>
+            </a:r>
+          </a:p>
+          <a:p>
+            <a:r>
+              <a:rPr lang="el-GR" sz="1200" b="1" i="0" kern="1200" dirty="0" smtClean="0">
                 <a:solidFill>
                   <a:schemeClr val="tx1"/>
                 </a:solidFill>
-                <a:latin typeface="+mn-lt"/>
-                <a:ea typeface="+mn-ea"/>
-                <a:cs typeface="+mn-cs"/>
-                <a:hlinkClick r:id="rId3" tooltip="Wave propagation"/>
-              </a:rPr>
-              <a:t>propagation</a:t>
-            </a:r>
-            <a:r>
-              <a:rPr lang="en-US" sz="1200" b="0" i="0" kern="1200" dirty="0" smtClean="0">
-                <a:solidFill>
-                  <a:schemeClr val="tx1"/>
-                </a:solidFill>
+                <a:effectLst/>
                 <a:latin typeface="+mn-lt"/>
                 <a:ea typeface="+mn-ea"/>
                 <a:cs typeface="+mn-cs"/>
               </a:rPr>
-              <a:t> and transmission of specified parts of the </a:t>
-            </a:r>
-            <a:r>
-              <a:rPr lang="en-US" sz="1200" b="0" i="0" u="none" strike="noStrike" kern="1200" dirty="0" smtClean="0">
+              <a:t>ε</a:t>
+            </a:r>
+            <a:r>
+              <a:rPr lang="en-US" sz="1200" b="1" i="0" kern="1200" dirty="0" smtClean="0">
                 <a:solidFill>
                   <a:schemeClr val="tx1"/>
                 </a:solidFill>
-                <a:latin typeface="+mn-lt"/>
-                <a:ea typeface="+mn-ea"/>
-                <a:cs typeface="+mn-cs"/>
-                <a:hlinkClick r:id="rId4" tooltip="EM spectrum"/>
-              </a:rPr>
-              <a:t>light spectrum</a:t>
-            </a:r>
-            <a:r>
-              <a:rPr lang="en-US" sz="1200" b="0" i="0" kern="1200" dirty="0" smtClean="0">
-                <a:solidFill>
-                  <a:schemeClr val="tx1"/>
-                </a:solidFill>
+                <a:effectLst/>
                 <a:latin typeface="+mn-lt"/>
                 <a:ea typeface="+mn-ea"/>
                 <a:cs typeface="+mn-cs"/>
               </a:rPr>
-              <a:t> and demonstrate the potential to render an object seemingly </a:t>
-            </a:r>
-            <a:r>
-              <a:rPr lang="en-US" sz="1200" b="0" i="0" u="none" strike="noStrike" kern="1200" dirty="0" smtClean="0">
+              <a:t> permittivity (</a:t>
+            </a:r>
+            <a:r>
+              <a:rPr lang="en-GB" sz="1200" b="0" i="0" kern="1200" dirty="0" smtClean="0">
                 <a:solidFill>
                   <a:schemeClr val="tx1"/>
                 </a:solidFill>
+                <a:effectLst/>
                 <a:latin typeface="+mn-lt"/>
                 <a:ea typeface="+mn-ea"/>
                 <a:cs typeface="+mn-cs"/>
-                <a:hlinkClick r:id="rId5" tooltip="wikt:invisible"/>
               </a:rPr>
-              <a:t>invisible</a:t>
-            </a:r>
-            <a:endParaRPr lang="en-US" dirty="0"/>
+              <a:t>extent to which it concentrates </a:t>
+            </a:r>
+            <a:r>
+              <a:rPr lang="en-GB" sz="1200" b="0" i="0" u="none" strike="noStrike" kern="1200" dirty="0" smtClean="0">
+                <a:solidFill>
+                  <a:schemeClr val="tx1"/>
+                </a:solidFill>
+                <a:effectLst/>
+                <a:latin typeface="+mn-lt"/>
+                <a:ea typeface="+mn-ea"/>
+                <a:cs typeface="+mn-cs"/>
+                <a:hlinkClick r:id="rId3" tooltip="Electrostatic"/>
+              </a:rPr>
+              <a:t>electrostatic</a:t>
+            </a:r>
+            <a:r>
+              <a:rPr lang="en-GB" sz="1200" b="0" i="0" kern="1200" dirty="0" smtClean="0">
+                <a:solidFill>
+                  <a:schemeClr val="tx1"/>
+                </a:solidFill>
+                <a:effectLst/>
+                <a:latin typeface="+mn-lt"/>
+                <a:ea typeface="+mn-ea"/>
+                <a:cs typeface="+mn-cs"/>
+              </a:rPr>
+              <a:t> lines </a:t>
+            </a:r>
+            <a:r>
+              <a:rPr lang="en-GB" sz="1200" b="0" i="0" kern="1200" dirty="0" err="1" smtClean="0">
+                <a:solidFill>
+                  <a:schemeClr val="tx1"/>
+                </a:solidFill>
+                <a:effectLst/>
+                <a:latin typeface="+mn-lt"/>
+                <a:ea typeface="+mn-ea"/>
+                <a:cs typeface="+mn-cs"/>
+              </a:rPr>
+              <a:t>of</a:t>
+            </a:r>
+            <a:r>
+              <a:rPr lang="en-GB" sz="1200" b="0" i="0" u="none" strike="noStrike" kern="1200" dirty="0" err="1" smtClean="0">
+                <a:solidFill>
+                  <a:schemeClr val="tx1"/>
+                </a:solidFill>
+                <a:effectLst/>
+                <a:latin typeface="+mn-lt"/>
+                <a:ea typeface="+mn-ea"/>
+                <a:cs typeface="+mn-cs"/>
+                <a:hlinkClick r:id="rId4" tooltip="Flux"/>
+              </a:rPr>
+              <a:t>flux</a:t>
+            </a:r>
+            <a:r>
+              <a:rPr lang="en-GB" sz="1200" b="0" i="0" kern="1200" dirty="0" smtClean="0">
+                <a:solidFill>
+                  <a:schemeClr val="tx1"/>
+                </a:solidFill>
+                <a:effectLst/>
+                <a:latin typeface="+mn-lt"/>
+                <a:ea typeface="+mn-ea"/>
+                <a:cs typeface="+mn-cs"/>
+              </a:rPr>
+              <a:t>. In technical terms, it is the ratio of the amount of electrical energy stored in a material by an applied voltage, relative to that stored in a vacuum </a:t>
+            </a:r>
+            <a:r>
+              <a:rPr lang="en-US" sz="1200" b="1" i="0" kern="1200" dirty="0" smtClean="0">
+                <a:solidFill>
+                  <a:schemeClr val="tx1"/>
+                </a:solidFill>
+                <a:effectLst/>
+                <a:latin typeface="+mn-lt"/>
+                <a:ea typeface="+mn-ea"/>
+                <a:cs typeface="+mn-cs"/>
+              </a:rPr>
+              <a:t>)</a:t>
+            </a:r>
+          </a:p>
+          <a:p>
+            <a:r>
+              <a:rPr lang="en-GB" sz="1200" b="0" i="0" kern="1200" dirty="0" smtClean="0">
+                <a:solidFill>
+                  <a:schemeClr val="tx1"/>
+                </a:solidFill>
+                <a:effectLst/>
+                <a:latin typeface="+mn-lt"/>
+                <a:ea typeface="+mn-ea"/>
+                <a:cs typeface="+mn-cs"/>
+              </a:rPr>
+              <a:t> µ </a:t>
+            </a:r>
+            <a:r>
+              <a:rPr lang="en-GB" sz="1200" b="1" i="0" kern="1200" dirty="0" smtClean="0">
+                <a:solidFill>
+                  <a:schemeClr val="tx1"/>
+                </a:solidFill>
+                <a:effectLst/>
+                <a:latin typeface="+mn-lt"/>
+                <a:ea typeface="+mn-ea"/>
+                <a:cs typeface="+mn-cs"/>
+              </a:rPr>
+              <a:t>permeability</a:t>
+            </a:r>
+            <a:r>
+              <a:rPr lang="en-GB" sz="1200" b="0" i="0" kern="1200" dirty="0" smtClean="0">
+                <a:solidFill>
+                  <a:schemeClr val="tx1"/>
+                </a:solidFill>
+                <a:effectLst/>
+                <a:latin typeface="+mn-lt"/>
+                <a:ea typeface="+mn-ea"/>
+                <a:cs typeface="+mn-cs"/>
+              </a:rPr>
+              <a:t> ( the ability of a material to support the formation of a </a:t>
+            </a:r>
+            <a:r>
+              <a:rPr lang="en-GB" sz="1200" b="0" i="0" u="none" strike="noStrike" kern="1200" dirty="0" smtClean="0">
+                <a:solidFill>
+                  <a:schemeClr val="tx1"/>
+                </a:solidFill>
+                <a:effectLst/>
+                <a:latin typeface="+mn-lt"/>
+                <a:ea typeface="+mn-ea"/>
+                <a:cs typeface="+mn-cs"/>
+                <a:hlinkClick r:id="rId5" tooltip="Magnetic field"/>
+              </a:rPr>
+              <a:t>magnetic field</a:t>
+            </a:r>
+            <a:r>
+              <a:rPr lang="en-GB" sz="1200" b="0" i="0" kern="1200" dirty="0" smtClean="0">
+                <a:solidFill>
+                  <a:schemeClr val="tx1"/>
+                </a:solidFill>
+                <a:effectLst/>
+                <a:latin typeface="+mn-lt"/>
+                <a:ea typeface="+mn-ea"/>
+                <a:cs typeface="+mn-cs"/>
+              </a:rPr>
+              <a:t> within itself. In other words, it is the degree of </a:t>
+            </a:r>
+            <a:r>
+              <a:rPr lang="en-GB" sz="1200" b="0" i="0" u="none" strike="noStrike" kern="1200" dirty="0" smtClean="0">
+                <a:solidFill>
+                  <a:schemeClr val="tx1"/>
+                </a:solidFill>
+                <a:effectLst/>
+                <a:latin typeface="+mn-lt"/>
+                <a:ea typeface="+mn-ea"/>
+                <a:cs typeface="+mn-cs"/>
+                <a:hlinkClick r:id="rId6" tooltip="Magnetization"/>
+              </a:rPr>
+              <a:t>magnetization</a:t>
+            </a:r>
+            <a:r>
+              <a:rPr lang="en-GB" sz="1200" b="0" i="0" kern="1200" dirty="0" smtClean="0">
+                <a:solidFill>
+                  <a:schemeClr val="tx1"/>
+                </a:solidFill>
+                <a:effectLst/>
+                <a:latin typeface="+mn-lt"/>
+                <a:ea typeface="+mn-ea"/>
+                <a:cs typeface="+mn-cs"/>
+              </a:rPr>
+              <a:t> that a material obtains in response to an applied </a:t>
+            </a:r>
+            <a:r>
+              <a:rPr lang="en-GB" sz="1200" b="0" i="0" u="none" strike="noStrike" kern="1200" dirty="0" smtClean="0">
+                <a:solidFill>
+                  <a:schemeClr val="tx1"/>
+                </a:solidFill>
+                <a:effectLst/>
+                <a:latin typeface="+mn-lt"/>
+                <a:ea typeface="+mn-ea"/>
+                <a:cs typeface="+mn-cs"/>
+                <a:hlinkClick r:id="rId5" tooltip="Magnetic field"/>
+              </a:rPr>
+              <a:t>magnetic </a:t>
+            </a:r>
+            <a:r>
+              <a:rPr lang="en-GB" sz="1200" b="0" i="0" u="none" strike="noStrike" kern="1200" smtClean="0">
+                <a:solidFill>
+                  <a:schemeClr val="tx1"/>
+                </a:solidFill>
+                <a:effectLst/>
+                <a:latin typeface="+mn-lt"/>
+                <a:ea typeface="+mn-ea"/>
+                <a:cs typeface="+mn-cs"/>
+                <a:hlinkClick r:id="rId5" tooltip="Magnetic field"/>
+              </a:rPr>
+              <a:t>field</a:t>
+            </a:r>
+            <a:r>
+              <a:rPr lang="en-GB" sz="1200" b="0" i="0" kern="1200" smtClean="0">
+                <a:solidFill>
+                  <a:schemeClr val="tx1"/>
+                </a:solidFill>
+                <a:effectLst/>
+                <a:latin typeface="+mn-lt"/>
+                <a:ea typeface="+mn-ea"/>
+                <a:cs typeface="+mn-cs"/>
+              </a:rPr>
+              <a:t>.)</a:t>
+            </a:r>
+            <a:endParaRPr lang="en-GB" dirty="0">
+              <a:solidFill>
+                <a:schemeClr val="tx1">
+                  <a:lumMod val="50000"/>
+                  <a:lumOff val="50000"/>
+                </a:schemeClr>
+              </a:solidFill>
+            </a:endParaRPr>
           </a:p>
         </p:txBody>
       </p:sp>
@@ -743,7 +937,7 @@
             <a:fld id="{7391B597-7F42-4E6C-A16E-96B6B138CE43}" type="slidenum">
               <a:rPr lang="en-US" smtClean="0"/>
               <a:pPr/>
-              <a:t>16</a:t>
+              <a:t>13</a:t>
             </a:fld>
             <a:endParaRPr lang="en-US"/>
           </a:p>
@@ -752,7 +946,7 @@
     </p:spTree>
     <p:extLst>
       <p:ext uri="{BB962C8B-B14F-4D97-AF65-F5344CB8AC3E}">
-        <p14:creationId xmlns:p14="http://schemas.microsoft.com/office/powerpoint/2010/main" val="3728121321"/>
+        <p14:creationId xmlns:p14="http://schemas.microsoft.com/office/powerpoint/2010/main" val="2366257150"/>
       </p:ext>
     </p:extLst>
   </p:cSld>
@@ -817,6 +1011,184 @@
                 <a:ea typeface="+mn-ea"/>
                 <a:cs typeface="+mn-cs"/>
               </a:rPr>
+              <a:t> This is accomplished by manipulating the paths traversed by light through a novel optical material. </a:t>
+            </a:r>
+            <a:r>
+              <a:rPr lang="en-US" sz="1200" b="0" i="0" kern="1200" dirty="0" err="1" smtClean="0">
+                <a:solidFill>
+                  <a:schemeClr val="tx1"/>
+                </a:solidFill>
+                <a:latin typeface="+mn-lt"/>
+                <a:ea typeface="+mn-ea"/>
+                <a:cs typeface="+mn-cs"/>
+              </a:rPr>
+              <a:t>Metamaterials</a:t>
+            </a:r>
+            <a:r>
+              <a:rPr lang="en-US" sz="1200" b="0" i="0" kern="1200" dirty="0" smtClean="0">
+                <a:solidFill>
+                  <a:schemeClr val="tx1"/>
+                </a:solidFill>
+                <a:latin typeface="+mn-lt"/>
+                <a:ea typeface="+mn-ea"/>
+                <a:cs typeface="+mn-cs"/>
+              </a:rPr>
+              <a:t> direct and control the </a:t>
+            </a:r>
+            <a:r>
+              <a:rPr lang="en-US" sz="1200" b="0" i="0" u="none" strike="noStrike" kern="1200" dirty="0" smtClean="0">
+                <a:solidFill>
+                  <a:schemeClr val="tx1"/>
+                </a:solidFill>
+                <a:latin typeface="+mn-lt"/>
+                <a:ea typeface="+mn-ea"/>
+                <a:cs typeface="+mn-cs"/>
+                <a:hlinkClick r:id="rId3" tooltip="Wave propagation"/>
+              </a:rPr>
+              <a:t>propagation</a:t>
+            </a:r>
+            <a:r>
+              <a:rPr lang="en-US" sz="1200" b="0" i="0" kern="1200" dirty="0" smtClean="0">
+                <a:solidFill>
+                  <a:schemeClr val="tx1"/>
+                </a:solidFill>
+                <a:latin typeface="+mn-lt"/>
+                <a:ea typeface="+mn-ea"/>
+                <a:cs typeface="+mn-cs"/>
+              </a:rPr>
+              <a:t> and transmission of specified parts of the </a:t>
+            </a:r>
+            <a:r>
+              <a:rPr lang="en-US" sz="1200" b="0" i="0" u="none" strike="noStrike" kern="1200" dirty="0" smtClean="0">
+                <a:solidFill>
+                  <a:schemeClr val="tx1"/>
+                </a:solidFill>
+                <a:latin typeface="+mn-lt"/>
+                <a:ea typeface="+mn-ea"/>
+                <a:cs typeface="+mn-cs"/>
+                <a:hlinkClick r:id="rId4" tooltip="EM spectrum"/>
+              </a:rPr>
+              <a:t>light spectrum</a:t>
+            </a:r>
+            <a:r>
+              <a:rPr lang="en-US" sz="1200" b="0" i="0" kern="1200" dirty="0" smtClean="0">
+                <a:solidFill>
+                  <a:schemeClr val="tx1"/>
+                </a:solidFill>
+                <a:latin typeface="+mn-lt"/>
+                <a:ea typeface="+mn-ea"/>
+                <a:cs typeface="+mn-cs"/>
+              </a:rPr>
+              <a:t> and demonstrate the potential to render an object seemingly </a:t>
+            </a:r>
+            <a:r>
+              <a:rPr lang="en-US" sz="1200" b="0" i="0" u="none" strike="noStrike" kern="1200" dirty="0" smtClean="0">
+                <a:solidFill>
+                  <a:schemeClr val="tx1"/>
+                </a:solidFill>
+                <a:latin typeface="+mn-lt"/>
+                <a:ea typeface="+mn-ea"/>
+                <a:cs typeface="+mn-cs"/>
+                <a:hlinkClick r:id="rId5" tooltip="wikt:invisible"/>
+              </a:rPr>
+              <a:t>invisible</a:t>
+            </a:r>
+            <a:endParaRPr lang="en-US" dirty="0"/>
+          </a:p>
+        </p:txBody>
+      </p:sp>
+      <p:sp>
+        <p:nvSpPr>
+          <p:cNvPr id="4" name="Slide Number Placeholder 3"/>
+          <p:cNvSpPr>
+            <a:spLocks noGrp="1"/>
+          </p:cNvSpPr>
+          <p:nvPr>
+            <p:ph type="sldNum" sz="quarter" idx="10"/>
+          </p:nvPr>
+        </p:nvSpPr>
+        <p:spPr/>
+        <p:txBody>
+          <a:bodyPr/>
+          <a:lstStyle/>
+          <a:p>
+            <a:fld id="{7391B597-7F42-4E6C-A16E-96B6B138CE43}" type="slidenum">
+              <a:rPr lang="en-US" smtClean="0"/>
+              <a:pPr/>
+              <a:t>16</a:t>
+            </a:fld>
+            <a:endParaRPr lang="en-US"/>
+          </a:p>
+        </p:txBody>
+      </p:sp>
+    </p:spTree>
+    <p:extLst>
+      <p:ext uri="{BB962C8B-B14F-4D97-AF65-F5344CB8AC3E}">
+        <p14:creationId xmlns:p14="http://schemas.microsoft.com/office/powerpoint/2010/main" val="3728121321"/>
+      </p:ext>
+    </p:extLst>
+  </p:cSld>
+  <p:clrMapOvr>
+    <a:masterClrMapping/>
+  </p:clrMapOvr>
+</p:notes>
+</file>
+
+<file path=ppt/notesSlides/notesSlide4.xml><?xml version="1.0" encoding="utf-8"?>
+<p:notes xmlns:a="http://schemas.openxmlformats.org/drawingml/2006/main" xmlns:r="http://schemas.openxmlformats.org/officeDocument/2006/relationships" xmlns:p="http://schemas.openxmlformats.org/presentationml/2006/main">
+  <p:cSld>
+    <p:spTree>
+      <p:nvGrpSpPr>
+        <p:cNvPr id="1" name=""/>
+        <p:cNvGrpSpPr/>
+        <p:nvPr/>
+      </p:nvGrpSpPr>
+      <p:grpSpPr>
+        <a:xfrm>
+          <a:off x="0" y="0"/>
+          <a:ext cx="0" cy="0"/>
+          <a:chOff x="0" y="0"/>
+          <a:chExt cx="0" cy="0"/>
+        </a:xfrm>
+      </p:grpSpPr>
+      <p:sp>
+        <p:nvSpPr>
+          <p:cNvPr id="2" name="Slide Image Placeholder 1"/>
+          <p:cNvSpPr>
+            <a:spLocks noGrp="1" noRot="1" noChangeAspect="1"/>
+          </p:cNvSpPr>
+          <p:nvPr>
+            <p:ph type="sldImg"/>
+          </p:nvPr>
+        </p:nvSpPr>
+        <p:spPr/>
+      </p:sp>
+      <p:sp>
+        <p:nvSpPr>
+          <p:cNvPr id="3" name="Notes Placeholder 2"/>
+          <p:cNvSpPr>
+            <a:spLocks noGrp="1"/>
+          </p:cNvSpPr>
+          <p:nvPr>
+            <p:ph type="body" idx="1"/>
+          </p:nvPr>
+        </p:nvSpPr>
+        <p:spPr/>
+        <p:txBody>
+          <a:bodyPr>
+            <a:normAutofit/>
+          </a:bodyPr>
+          <a:lstStyle/>
+          <a:p>
+            <a:r>
+              <a:rPr lang="en-US" sz="1200" b="0" i="0" kern="1200" dirty="0" smtClean="0">
+                <a:solidFill>
+                  <a:schemeClr val="tx1"/>
+                </a:solidFill>
+                <a:latin typeface="+mn-lt"/>
+                <a:ea typeface="+mn-ea"/>
+                <a:cs typeface="+mn-cs"/>
+              </a:rPr>
               <a:t>is a </a:t>
             </a:r>
             <a:r>
@@ -875,18 +1247,8 @@
                 <a:cs typeface="+mn-cs"/>
                 <a:hlinkClick r:id="rId5" tooltip="Diffraction limit"/>
               </a:rPr>
-              <a:t>diffraction limit</a:t>
-            </a:r>
-            <a:endParaRPr lang="en-US" sz="1200" b="0" i="0" u="none" strike="noStrike" kern="1200" dirty="0" smtClean="0">
-              <a:solidFill>
-                <a:schemeClr val="tx1"/>
-              </a:solidFill>
-              <a:latin typeface="+mn-lt"/>
-              <a:ea typeface="+mn-ea"/>
-              <a:cs typeface="+mn-cs"/>
-            </a:endParaRPr>
-          </a:p>
-          <a:p>
+              <a:t>diffraction </a:t>
+            </a:r>
             <a:r>
               <a:rPr lang="en-US" sz="1200" b="0" i="0" u="none" strike="noStrike" kern="1200" dirty="0" smtClean="0">
                 <a:solidFill>
@@ -895,11 +1257,10 @@
                 <a:latin typeface="+mn-lt"/>
                 <a:ea typeface="+mn-ea"/>
                 <a:cs typeface="+mn-cs"/>
+                <a:hlinkClick r:id="rId5" tooltip="Diffraction limit"/>
               </a:rPr>
-              <a:t>-&gt;&gt;&gt;&gt;&gt;&gt;&gt;&gt;&gt;&gt;&gt;&gt;&gt;&gt;&gt;&gt;&gt;&gt;&gt;&gt;&gt;&gt;&gt;&gt;&gt;&gt;&gt;&gt;  what is Diffraction Limit ???</a:t>
-            </a:r>
-          </a:p>
-          <a:p>
+              <a:t>limit</a:t>
+            </a:r>
             <a:endParaRPr lang="en-US" dirty="0"/>
           </a:p>
         </p:txBody>
@@ -1169,6 +1530,18 @@
   <p:clrMapOvr>
     <a:overrideClrMapping bg1="dk1" tx1="lt1" bg2="dk2" tx2="lt2" accent1="accent1" accent2="accent2" accent3="accent3" accent4="accent4" accent5="accent5" accent6="accent6" hlink="hlink" folHlink="folHlink"/>
   </p:clrMapOvr>
+  <mc:AlternateContent xmlns:mc="http://schemas.openxmlformats.org/markup-compatibility/2006">
+    <mc:Choice xmlns:p14="http://schemas.microsoft.com/office/powerpoint/2010/main" Requires="p14">
+      <p:transition spd="med" p14:dur="700">
+        <p:fade/>
+      </p:transition>
+    </mc:Choice>
+    <mc:Fallback>
+      <p:transition spd="med">
+        <p:fade/>
+      </p:transition>
+    </mc:Fallback>
+  </mc:AlternateContent>
 </p:sldLayout>
 </file>
 
@@ -1336,6 +1709,18 @@
   <p:clrMapOvr>
     <a:masterClrMapping/>
   </p:clrMapOvr>
+  <mc:AlternateContent xmlns:mc="http://schemas.openxmlformats.org/markup-compatibility/2006">
+    <mc:Choice xmlns:p14="http://schemas.microsoft.com/office/powerpoint/2010/main" Requires="p14">
+      <p:transition spd="med" p14:dur="700">
+        <p:fade/>
+      </p:transition>
+    </mc:Choice>
+    <mc:Fallback>
+      <p:transition spd="med">
+        <p:fade/>
+      </p:transition>
+    </mc:Fallback>
+  </mc:AlternateContent>
 </p:sldLayout>
 </file>
 
@@ -1513,6 +1898,18 @@
   <p:clrMapOvr>
     <a:masterClrMapping/>
   </p:clrMapOvr>
+  <mc:AlternateContent xmlns:mc="http://schemas.openxmlformats.org/markup-compatibility/2006">
+    <mc:Choice xmlns:p14="http://schemas.microsoft.com/office/powerpoint/2010/main" Requires="p14">
+      <p:transition spd="med" p14:dur="700">
+        <p:fade/>
+      </p:transition>
+    </mc:Choice>
+    <mc:Fallback>
+      <p:transition spd="med">
+        <p:fade/>
+      </p:transition>
+    </mc:Fallback>
+  </mc:AlternateContent>
 </p:sldLayout>
 </file>
 
@@ -1680,6 +2077,18 @@
   <p:clrMapOvr>
     <a:masterClrMapping/>
   </p:clrMapOvr>
+  <mc:AlternateContent xmlns:mc="http://schemas.openxmlformats.org/markup-compatibility/2006">
+    <mc:Choice xmlns:p14="http://schemas.microsoft.com/office/powerpoint/2010/main" Requires="p14">
+      <p:transition spd="med" p14:dur="700">
+        <p:fade/>
+      </p:transition>
+    </mc:Choice>
+    <mc:Fallback>
+      <p:transition spd="med">
+        <p:fade/>
+      </p:transition>
+    </mc:Fallback>
+  </mc:AlternateContent>
 </p:sldLayout>
 </file>
 
@@ -1924,6 +2333,18 @@
   <p:clrMapOvr>
     <a:overrideClrMapping bg1="dk1" tx1="lt1" bg2="dk2" tx2="lt2" accent1="accent1" accent2="accent2" accent3="accent3" accent4="accent4" accent5="accent5" accent6="accent6" hlink="hlink" folHlink="folHlink"/>
   </p:clrMapOvr>
+  <mc:AlternateContent xmlns:mc="http://schemas.openxmlformats.org/markup-compatibility/2006">
+    <mc:Choice xmlns:p14="http://schemas.microsoft.com/office/powerpoint/2010/main" Requires="p14">
+      <p:transition spd="med" p14:dur="700">
+        <p:fade/>
+      </p:transition>
+    </mc:Choice>
+    <mc:Fallback>
+      <p:transition spd="med">
+        <p:fade/>
+      </p:transition>
+    </mc:Fallback>
+  </mc:AlternateContent>
 </p:sldLayout>
 </file>
 
@@ -2190,6 +2611,18 @@
   <p:clrMapOvr>
     <a:masterClrMapping/>
   </p:clrMapOvr>
+  <mc:AlternateContent xmlns:mc="http://schemas.openxmlformats.org/markup-compatibility/2006">
+    <mc:Choice xmlns:p14="http://schemas.microsoft.com/office/powerpoint/2010/main" Requires="p14">
+      <p:transition spd="med" p14:dur="700">
+        <p:fade/>
+      </p:transition>
+    </mc:Choice>
+    <mc:Fallback>
+      <p:transition spd="med">
+        <p:fade/>
+      </p:transition>
+    </mc:Fallback>
+  </mc:AlternateContent>
 </p:sldLayout>
 </file>
 
@@ -2570,6 +3003,18 @@
   <p:clrMapOvr>
     <a:masterClrMapping/>
   </p:clrMapOvr>
+  <mc:AlternateContent xmlns:mc="http://schemas.openxmlformats.org/markup-compatibility/2006">
+    <mc:Choice xmlns:p14="http://schemas.microsoft.com/office/powerpoint/2010/main" Requires="p14">
+      <p:transition spd="med" p14:dur="700">
+        <p:fade/>
+      </p:transition>
+    </mc:Choice>
+    <mc:Fallback>
+      <p:transition spd="med">
+        <p:fade/>
+      </p:transition>
+    </mc:Fallback>
+  </mc:AlternateContent>
 </p:sldLayout>
 </file>
 
@@ -2722,6 +3167,18 @@
   <p:clrMapOvr>
     <a:masterClrMapping/>
   </p:clrMapOvr>
+  <mc:AlternateContent xmlns:mc="http://schemas.openxmlformats.org/markup-compatibility/2006">
+    <mc:Choice xmlns:p14="http://schemas.microsoft.com/office/powerpoint/2010/main" Requires="p14">
+      <p:transition spd="med" p14:dur="700">
+        <p:fade/>
+      </p:transition>
+    </mc:Choice>
+    <mc:Fallback>
+      <p:transition spd="med">
+        <p:fade/>
+      </p:transition>
+    </mc:Fallback>
+  </mc:AlternateContent>
 </p:sldLayout>
 </file>
 
@@ -2814,6 +3271,18 @@
   <p:clrMapOvr>
     <a:masterClrMapping/>
   </p:clrMapOvr>
+  <mc:AlternateContent xmlns:mc="http://schemas.openxmlformats.org/markup-compatibility/2006">
+    <mc:Choice xmlns:p14="http://schemas.microsoft.com/office/powerpoint/2010/main" Requires="p14">
+      <p:transition spd="med" p14:dur="700">
+        <p:fade/>
+      </p:transition>
+    </mc:Choice>
+    <mc:Fallback>
+      <p:transition spd="med">
+        <p:fade/>
+      </p:transition>
+    </mc:Fallback>
+  </mc:AlternateContent>
 </p:sldLayout>
 </file>
 
@@ -3077,6 +3546,18 @@
   <p:clrMapOvr>
     <a:masterClrMapping/>
   </p:clrMapOvr>
+  <mc:AlternateContent xmlns:mc="http://schemas.openxmlformats.org/markup-compatibility/2006">
+    <mc:Choice xmlns:p14="http://schemas.microsoft.com/office/powerpoint/2010/main" Requires="p14">
+      <p:transition spd="med" p14:dur="700">
+        <p:fade/>
+      </p:transition>
+    </mc:Choice>
+    <mc:Fallback>
+      <p:transition spd="med">
+        <p:fade/>
+      </p:transition>
+    </mc:Fallback>
+  </mc:AlternateContent>
 </p:sldLayout>
 </file>
 
@@ -3674,6 +4155,18 @@
   <p:clrMapOvr>
     <a:masterClrMapping/>
   </p:clrMapOvr>
+  <mc:AlternateContent xmlns:mc="http://schemas.openxmlformats.org/markup-compatibility/2006">
+    <mc:Choice xmlns:p14="http://schemas.microsoft.com/office/powerpoint/2010/main" Requires="p14">
+      <p:transition spd="med" p14:dur="700">
+        <p:fade/>
+      </p:transition>
+    </mc:Choice>
+    <mc:Fallback>
+      <p:transition spd="med">
+        <p:fade/>
+      </p:transition>
+    </mc:Fallback>
+  </mc:AlternateContent>
 </p:sldLayout>
 </file>
 
@@ -4401,6 +4894,18 @@
     <p:sldLayoutId id="2147483840" r:id="rId10"/>
     <p:sldLayoutId id="2147483841" r:id="rId11"/>
   </p:sldLayoutIdLst>
+  <mc:AlternateContent xmlns:mc="http://schemas.openxmlformats.org/markup-compatibility/2006">
+    <mc:Choice xmlns:p14="http://schemas.microsoft.com/office/powerpoint/2010/main" Requires="p14">
+      <p:transition spd="med" p14:dur="700">
+        <p:fade/>
+      </p:transition>
+    </mc:Choice>
+    <mc:Fallback>
+      <p:transition spd="med">
+        <p:fade/>
+      </p:transition>
+    </mc:Fallback>
+  </mc:AlternateContent>
   <p:txStyles>
     <p:titleStyle>
       <a:lvl1pPr algn="l" rtl="0" eaLnBrk="1" latinLnBrk="0" hangingPunct="1">
@@ -4830,7 +5335,31 @@
                   </a:outerShdw>
                 </a:effectLst>
               </a:rPr>
-              <a:t>GPU Implementation of FDTD technique for EM Waves in NIM</a:t>
+              <a:t>Modeling </a:t>
+            </a:r>
+            <a:r>
+              <a:rPr lang="en-US" sz="4800" smtClean="0">
+                <a:effectLst>
+                  <a:outerShdw blurRad="38100" dist="38100" dir="2700000" algn="tl">
+                    <a:srgbClr val="000000">
+                      <a:alpha val="43137"/>
+                    </a:srgbClr>
+                  </a:outerShdw>
+                </a:effectLst>
+              </a:rPr>
+              <a:t>of Electromagnetic </a:t>
+            </a:r>
+            <a:r>
+              <a:rPr lang="en-US" sz="4800" dirty="0" smtClean="0">
+                <a:effectLst>
+                  <a:outerShdw blurRad="38100" dist="38100" dir="2700000" algn="tl">
+                    <a:srgbClr val="000000">
+                      <a:alpha val="43137"/>
+                    </a:srgbClr>
+                  </a:outerShdw>
+                </a:effectLst>
+              </a:rPr>
+              <a:t>Wave Propagation in NIM using FDTD Technique</a:t>
             </a:r>
             <a:br>
               <a:rPr lang="en-US" sz="4800" dirty="0" smtClean="0">
@@ -4873,27 +5402,62 @@
         </p:spPr>
         <p:txBody>
           <a:bodyPr>
-            <a:normAutofit/>
+            <a:normAutofit fontScale="92500" lnSpcReduction="20000"/>
           </a:bodyPr>
           <a:lstStyle/>
+          <a:p>
+            <a:r>
+              <a:rPr lang="en-US" dirty="0" smtClean="0"/>
+              <a:t>Supervisor: </a:t>
+            </a:r>
+          </a:p>
+          <a:p>
+            <a:r>
+              <a:rPr lang="en-US" dirty="0" err="1" smtClean="0"/>
+              <a:t>Attique</a:t>
+            </a:r>
+            <a:r>
+              <a:rPr lang="en-US" dirty="0" smtClean="0"/>
+              <a:t> </a:t>
+            </a:r>
+            <a:r>
+              <a:rPr lang="en-US" dirty="0" err="1" smtClean="0"/>
+              <a:t>Dawood</a:t>
+            </a:r>
+            <a:endParaRPr lang="en-US" dirty="0" smtClean="0"/>
+          </a:p>
           <a:p>
             <a:pPr algn="l"/>
             <a:endParaRPr lang="en-US" dirty="0" smtClean="0"/>
           </a:p>
           <a:p>
-            <a:pPr algn="l"/>
-            <a:r>
-              <a:rPr lang="en-US" dirty="0" smtClean="0"/>
-              <a:t>By:</a:t>
-            </a:r>
-          </a:p>
-          <a:p>
-            <a:pPr algn="l"/>
-            <a:r>
-              <a:rPr lang="en-US" dirty="0" smtClean="0"/>
-              <a:t>Muhammad Junaid Nasir			(10-0361)</a:t>
-            </a:r>
-            <a:endParaRPr lang="en-US" dirty="0"/>
+            <a:r>
+              <a:rPr lang="en-US" sz="2000" dirty="0" smtClean="0"/>
+              <a:t>Group Member: </a:t>
+            </a:r>
+          </a:p>
+          <a:p>
+            <a:r>
+              <a:rPr lang="en-US" sz="2000" dirty="0" smtClean="0"/>
+              <a:t>Muhammad </a:t>
+            </a:r>
+            <a:r>
+              <a:rPr lang="en-US" sz="2000" dirty="0" err="1" smtClean="0"/>
+              <a:t>Junaid</a:t>
+            </a:r>
+            <a:r>
+              <a:rPr lang="en-US" sz="2000" dirty="0" smtClean="0"/>
+              <a:t> </a:t>
+            </a:r>
+            <a:r>
+              <a:rPr lang="en-US" sz="2000" dirty="0" err="1" smtClean="0"/>
+              <a:t>Nasir</a:t>
+            </a:r>
+            <a:r>
+              <a:rPr lang="en-US" sz="2000" dirty="0" smtClean="0"/>
+              <a:t> (10-0361)</a:t>
+            </a:r>
+            <a:endParaRPr lang="en-US" sz="2000" dirty="0"/>
           </a:p>
         </p:txBody>
       </p:sp>
@@ -4902,6 +5466,18 @@
   <p:clrMapOvr>
     <a:masterClrMapping/>
   </p:clrMapOvr>
+  <mc:AlternateContent xmlns:mc="http://schemas.openxmlformats.org/markup-compatibility/2006">
+    <mc:Choice xmlns:p14="http://schemas.microsoft.com/office/powerpoint/2010/main" Requires="p14">
+      <p:transition spd="med" p14:dur="700">
+        <p:fade/>
+      </p:transition>
+    </mc:Choice>
+    <mc:Fallback>
+      <p:transition spd="med">
+        <p:fade/>
+      </p:transition>
+    </mc:Fallback>
+  </mc:AlternateContent>
   <p:timing>
     <p:tnLst>
       <p:par>
@@ -4989,19 +5565,21 @@
             </a:r>
             <a:r>
               <a:rPr lang="en-US" dirty="0" err="1" smtClean="0"/>
-              <a:t>Matlab,C</a:t>
-            </a:r>
+              <a:t>Matlab</a:t>
+            </a:r>
+            <a:endParaRPr lang="en-US" dirty="0" smtClean="0"/>
+          </a:p>
+          <a:p>
+            <a:pPr lvl="1"/>
             <a:r>
               <a:rPr lang="en-US" dirty="0" smtClean="0"/>
-              <a:t>++</a:t>
-            </a:r>
-          </a:p>
-          <a:p>
-            <a:pPr lvl="1"/>
+              <a:t>	</a:t>
+            </a:r>
             <a:r>
               <a:rPr lang="en-US" dirty="0" smtClean="0"/>
-              <a:t>	Performance Analysis</a:t>
-            </a:r>
+              <a:t>Frequency domain analysis of medium</a:t>
+            </a:r>
+            <a:endParaRPr lang="en-US" dirty="0" smtClean="0"/>
           </a:p>
           <a:p>
             <a:r>
@@ -5035,16 +5613,41 @@
             <a:pPr lvl="1"/>
             <a:r>
               <a:rPr lang="en-US" dirty="0" smtClean="0"/>
-              <a:t>	GPU implementation</a:t>
+              <a:t>	</a:t>
+            </a:r>
+            <a:r>
+              <a:rPr lang="en-US" dirty="0" smtClean="0">
+                <a:solidFill>
+                  <a:schemeClr val="tx1">
+                    <a:lumMod val="50000"/>
+                    <a:lumOff val="50000"/>
+                  </a:schemeClr>
+                </a:solidFill>
+              </a:rPr>
+              <a:t>GPU implementation</a:t>
             </a:r>
           </a:p>
           <a:p>
             <a:pPr lvl="1"/>
             <a:r>
-              <a:rPr lang="en-US" dirty="0" smtClean="0"/>
+              <a:rPr lang="en-US" dirty="0" smtClean="0">
+                <a:solidFill>
+                  <a:schemeClr val="tx1">
+                    <a:lumMod val="50000"/>
+                    <a:lumOff val="50000"/>
+                  </a:schemeClr>
+                </a:solidFill>
+              </a:rPr>
               <a:t>	Performance Analysis</a:t>
             </a:r>
-            <a:endParaRPr lang="en-US" dirty="0"/>
+            <a:endParaRPr lang="en-US" dirty="0">
+              <a:solidFill>
+                <a:schemeClr val="tx1">
+                  <a:lumMod val="50000"/>
+                  <a:lumOff val="50000"/>
+                </a:schemeClr>
+              </a:solidFill>
+            </a:endParaRPr>
           </a:p>
         </p:txBody>
       </p:sp>
@@ -5053,6 +5656,25 @@
   <p:clrMapOvr>
     <a:masterClrMapping/>
   </p:clrMapOvr>
+  <mc:AlternateContent xmlns:mc="http://schemas.openxmlformats.org/markup-compatibility/2006">
+    <mc:Choice xmlns:p14="http://schemas.microsoft.com/office/powerpoint/2010/main" Requires="p14">
+      <p:transition spd="med" p14:dur="700">
+        <p:fade/>
+      </p:transition>
+    </mc:Choice>
+    <mc:Fallback>
+      <p:transition spd="med">
+        <p:fade/>
+      </p:transition>
+    </mc:Fallback>
+  </mc:AlternateContent>
+  <p:timing>
+    <p:tnLst>
+      <p:par>
+        <p:cTn id="1" dur="indefinite" restart="never" nodeType="tmRoot"/>
+      </p:par>
+    </p:tnLst>
+  </p:timing>
 </p:sld>
 </file>
 
@@ -5325,6 +5947,25 @@
   <p:clrMapOvr>
     <a:masterClrMapping/>
   </p:clrMapOvr>
+  <mc:AlternateContent xmlns:mc="http://schemas.openxmlformats.org/markup-compatibility/2006">
+    <mc:Choice xmlns:p14="http://schemas.microsoft.com/office/powerpoint/2010/main" Requires="p14">
+      <p:transition spd="med" p14:dur="700">
+        <p:fade/>
+      </p:transition>
+    </mc:Choice>
+    <mc:Fallback>
+      <p:transition spd="med">
+        <p:fade/>
+      </p:transition>
+    </mc:Fallback>
+  </mc:AlternateContent>
+  <p:timing>
+    <p:tnLst>
+      <p:par>
+        <p:cTn id="1" dur="indefinite" restart="never" nodeType="tmRoot"/>
+      </p:par>
+    </p:tnLst>
+  </p:timing>
 </p:sld>
 </file>
 
@@ -5380,6 +6021,25 @@
   <p:clrMapOvr>
     <a:masterClrMapping/>
   </p:clrMapOvr>
+  <mc:AlternateContent xmlns:mc="http://schemas.openxmlformats.org/markup-compatibility/2006">
+    <mc:Choice xmlns:p14="http://schemas.microsoft.com/office/powerpoint/2010/main" Requires="p14">
+      <p:transition spd="med" p14:dur="700">
+        <p:fade/>
+      </p:transition>
+    </mc:Choice>
+    <mc:Fallback>
+      <p:transition spd="med">
+        <p:fade/>
+      </p:transition>
+    </mc:Fallback>
+  </mc:AlternateContent>
+  <p:timing>
+    <p:tnLst>
+      <p:par>
+        <p:cTn id="1" dur="indefinite" restart="never" nodeType="tmRoot"/>
+      </p:par>
+    </p:tnLst>
+  </p:timing>
 </p:sld>
 </file>
 
@@ -5417,7 +6077,11 @@
           <a:p>
             <a:r>
               <a:rPr lang="en-US" b="1" dirty="0" smtClean="0"/>
-              <a:t>How FDTD Works???</a:t>
+              <a:t>How FDTD </a:t>
+            </a:r>
+            <a:r>
+              <a:rPr lang="en-US" b="1" dirty="0" smtClean="0"/>
+              <a:t>Works?</a:t>
             </a:r>
             <a:endParaRPr lang="en-US" b="1" dirty="0"/>
           </a:p>
@@ -5471,7 +6135,7 @@
           <p:nvPr/>
         </p:nvPicPr>
         <p:blipFill>
-          <a:blip r:embed="rId2" cstate="print"/>
+          <a:blip r:embed="rId3" cstate="print"/>
           <a:srcRect/>
           <a:stretch>
             <a:fillRect/>
@@ -5497,7 +6161,7 @@
           <p:nvPr/>
         </p:nvPicPr>
         <p:blipFill>
-          <a:blip r:embed="rId3" cstate="print"/>
+          <a:blip r:embed="rId4" cstate="print"/>
           <a:srcRect/>
           <a:stretch>
             <a:fillRect/>
@@ -5519,6 +6183,25 @@
   <p:clrMapOvr>
     <a:masterClrMapping/>
   </p:clrMapOvr>
+  <mc:AlternateContent xmlns:mc="http://schemas.openxmlformats.org/markup-compatibility/2006">
+    <mc:Choice xmlns:p14="http://schemas.microsoft.com/office/powerpoint/2010/main" Requires="p14">
+      <p:transition spd="med" p14:dur="700">
+        <p:fade/>
+      </p:transition>
+    </mc:Choice>
+    <mc:Fallback>
+      <p:transition spd="med">
+        <p:fade/>
+      </p:transition>
+    </mc:Fallback>
+  </mc:AlternateContent>
+  <p:timing>
+    <p:tnLst>
+      <p:par>
+        <p:cTn id="1" dur="indefinite" restart="never" nodeType="tmRoot"/>
+      </p:par>
+    </p:tnLst>
+  </p:timing>
 </p:sld>
 </file>
 
@@ -5555,10 +6238,10 @@
           <a:lstStyle/>
           <a:p>
             <a:r>
-              <a:rPr lang="en-US" dirty="0" smtClean="0"/>
+              <a:rPr lang="en-US" b="1" dirty="0" smtClean="0"/>
               <a:t>How FDTD works</a:t>
             </a:r>
-            <a:endParaRPr lang="en-US" dirty="0"/>
+            <a:endParaRPr lang="en-US" b="1" dirty="0"/>
           </a:p>
         </p:txBody>
       </p:sp>
@@ -5645,6 +6328,25 @@
   <p:clrMapOvr>
     <a:masterClrMapping/>
   </p:clrMapOvr>
+  <mc:AlternateContent xmlns:mc="http://schemas.openxmlformats.org/markup-compatibility/2006">
+    <mc:Choice xmlns:p14="http://schemas.microsoft.com/office/powerpoint/2010/main" Requires="p14">
+      <p:transition spd="med" p14:dur="700">
+        <p:fade/>
+      </p:transition>
+    </mc:Choice>
+    <mc:Fallback>
+      <p:transition spd="med">
+        <p:fade/>
+      </p:transition>
+    </mc:Fallback>
+  </mc:AlternateContent>
+  <p:timing>
+    <p:tnLst>
+      <p:par>
+        <p:cTn id="1" dur="indefinite" restart="never" nodeType="tmRoot"/>
+      </p:par>
+    </p:tnLst>
+  </p:timing>
 </p:sld>
 </file>
 
@@ -5862,6 +6564,25 @@
   <p:clrMapOvr>
     <a:masterClrMapping/>
   </p:clrMapOvr>
+  <mc:AlternateContent xmlns:mc="http://schemas.openxmlformats.org/markup-compatibility/2006">
+    <mc:Choice xmlns:p14="http://schemas.microsoft.com/office/powerpoint/2010/main" Requires="p14">
+      <p:transition spd="med" p14:dur="700">
+        <p:fade/>
+      </p:transition>
+    </mc:Choice>
+    <mc:Fallback>
+      <p:transition spd="med">
+        <p:fade/>
+      </p:transition>
+    </mc:Fallback>
+  </mc:AlternateContent>
+  <p:timing>
+    <p:tnLst>
+      <p:par>
+        <p:cTn id="1" dur="indefinite" restart="never" nodeType="tmRoot"/>
+      </p:par>
+    </p:tnLst>
+  </p:timing>
 </p:sld>
 </file>
 
@@ -5961,6 +6682,25 @@
   <p:clrMapOvr>
     <a:masterClrMapping/>
   </p:clrMapOvr>
+  <mc:AlternateContent xmlns:mc="http://schemas.openxmlformats.org/markup-compatibility/2006">
+    <mc:Choice xmlns:p14="http://schemas.microsoft.com/office/powerpoint/2010/main" Requires="p14">
+      <p:transition spd="med" p14:dur="700">
+        <p:fade/>
+      </p:transition>
+    </mc:Choice>
+    <mc:Fallback>
+      <p:transition spd="med">
+        <p:fade/>
+      </p:transition>
+    </mc:Fallback>
+  </mc:AlternateContent>
+  <p:timing>
+    <p:tnLst>
+      <p:par>
+        <p:cTn id="1" dur="indefinite" restart="never" nodeType="tmRoot"/>
+      </p:par>
+    </p:tnLst>
+  </p:timing>
 </p:sld>
 </file>
 
@@ -6058,6 +6798,18 @@
   <p:clrMapOvr>
     <a:masterClrMapping/>
   </p:clrMapOvr>
+  <mc:AlternateContent xmlns:mc="http://schemas.openxmlformats.org/markup-compatibility/2006">
+    <mc:Choice xmlns:p14="http://schemas.microsoft.com/office/powerpoint/2010/main" Requires="p14">
+      <p:transition spd="med" p14:dur="700">
+        <p:fade/>
+      </p:transition>
+    </mc:Choice>
+    <mc:Fallback>
+      <p:transition spd="med">
+        <p:fade/>
+      </p:transition>
+    </mc:Fallback>
+  </mc:AlternateContent>
   <p:timing>
     <p:tnLst>
       <p:par>
@@ -6132,7 +6884,11 @@
             <a:pPr lvl="1" algn="just"/>
             <a:r>
               <a:rPr lang="en-US" dirty="0" smtClean="0"/>
-              <a:t>An electromagnetic absorber neither reflects nor transmits the incident radiation. Therefore, the power of the impinging wave is mostly absorbed in the absorber materials. The performance of an absorber depends on its thickness and morphology, and also the materials used to fabricate it.</a:t>
+              <a:t>An electromagnetic absorber neither reflects nor transmits the incident radiation. Therefore, the power of the impinging wave is mostly absorbed in the absorber </a:t>
+            </a:r>
+            <a:r>
+              <a:rPr lang="en-US" dirty="0" smtClean="0"/>
+              <a:t>materials</a:t>
             </a:r>
             <a:endParaRPr lang="en-US" dirty="0"/>
           </a:p>
@@ -6143,6 +6899,18 @@
   <p:clrMapOvr>
     <a:masterClrMapping/>
   </p:clrMapOvr>
+  <mc:AlternateContent xmlns:mc="http://schemas.openxmlformats.org/markup-compatibility/2006">
+    <mc:Choice xmlns:p14="http://schemas.microsoft.com/office/powerpoint/2010/main" Requires="p14">
+      <p:transition spd="med" p14:dur="700">
+        <p:fade/>
+      </p:transition>
+    </mc:Choice>
+    <mc:Fallback>
+      <p:transition spd="med">
+        <p:fade/>
+      </p:transition>
+    </mc:Fallback>
+  </mc:AlternateContent>
   <p:timing>
     <p:tnLst>
       <p:par>
@@ -6186,10 +6954,10 @@
           <a:lstStyle/>
           <a:p>
             <a:r>
-              <a:rPr lang="en-US" dirty="0" smtClean="0"/>
+              <a:rPr lang="en-US" b="1" dirty="0" smtClean="0"/>
               <a:t>Problem Statement</a:t>
             </a:r>
-            <a:endParaRPr lang="en-US" dirty="0"/>
+            <a:endParaRPr lang="en-US" b="1" dirty="0"/>
           </a:p>
         </p:txBody>
       </p:sp>
@@ -6228,6 +6996,18 @@
   <p:clrMapOvr>
     <a:masterClrMapping/>
   </p:clrMapOvr>
+  <mc:AlternateContent xmlns:mc="http://schemas.openxmlformats.org/markup-compatibility/2006">
+    <mc:Choice xmlns:p14="http://schemas.microsoft.com/office/powerpoint/2010/main" Requires="p14">
+      <p:transition spd="med" p14:dur="700">
+        <p:fade/>
+      </p:transition>
+    </mc:Choice>
+    <mc:Fallback>
+      <p:transition spd="med">
+        <p:fade/>
+      </p:transition>
+    </mc:Fallback>
+  </mc:AlternateContent>
   <p:timing>
     <p:tnLst>
       <p:par>
@@ -6292,7 +7072,9 @@
         </p:nvSpPr>
         <p:spPr/>
         <p:txBody>
-          <a:bodyPr/>
+          <a:bodyPr>
+            <a:normAutofit/>
+          </a:bodyPr>
           <a:lstStyle/>
           <a:p>
             <a:pPr algn="just"/>
@@ -6334,15 +7116,32 @@
             <a:pPr lvl="1" algn="just"/>
             <a:r>
               <a:rPr lang="en-US" dirty="0" smtClean="0"/>
-              <a:t>It is readily parallelizable on hardware like GPU.</a:t>
-            </a:r>
-          </a:p>
-          <a:p>
-            <a:pPr algn="just"/>
+              <a:t>It </a:t>
+            </a:r>
             <a:r>
               <a:rPr lang="en-US" dirty="0" smtClean="0"/>
-              <a:t>Kane Yee proposed this algorithm in 1966.</a:t>
-            </a:r>
+              <a:t>is readily parallelizable on hardware like GPU</a:t>
+            </a:r>
+            <a:r>
+              <a:rPr lang="en-US" dirty="0" smtClean="0"/>
+              <a:t>.</a:t>
+            </a:r>
+          </a:p>
+          <a:p>
+            <a:pPr lvl="1" algn="just"/>
+            <a:r>
+              <a:rPr lang="en-GB" dirty="0" smtClean="0"/>
+              <a:t>The </a:t>
+            </a:r>
+            <a:r>
+              <a:rPr lang="en-GB" dirty="0"/>
+              <a:t>response of the system over a wide range of frequencies can be obtained with a single </a:t>
+            </a:r>
+            <a:r>
+              <a:rPr lang="en-GB" dirty="0" smtClean="0"/>
+              <a:t>simulation</a:t>
+            </a:r>
+            <a:endParaRPr lang="en-US" dirty="0" smtClean="0"/>
           </a:p>
         </p:txBody>
       </p:sp>
@@ -6351,6 +7150,18 @@
   <p:clrMapOvr>
     <a:masterClrMapping/>
   </p:clrMapOvr>
+  <mc:AlternateContent xmlns:mc="http://schemas.openxmlformats.org/markup-compatibility/2006">
+    <mc:Choice xmlns:p14="http://schemas.microsoft.com/office/powerpoint/2010/main" Requires="p14">
+      <p:transition spd="med" p14:dur="700">
+        <p:fade/>
+      </p:transition>
+    </mc:Choice>
+    <mc:Fallback>
+      <p:transition spd="med">
+        <p:fade/>
+      </p:transition>
+    </mc:Fallback>
+  </mc:AlternateContent>
   <p:timing>
     <p:tnLst>
       <p:par>
@@ -6450,6 +7261,18 @@
   <p:clrMapOvr>
     <a:masterClrMapping/>
   </p:clrMapOvr>
+  <mc:AlternateContent xmlns:mc="http://schemas.openxmlformats.org/markup-compatibility/2006">
+    <mc:Choice xmlns:p14="http://schemas.microsoft.com/office/powerpoint/2010/main" Requires="p14">
+      <p:transition spd="med" p14:dur="700">
+        <p:fade/>
+      </p:transition>
+    </mc:Choice>
+    <mc:Fallback>
+      <p:transition spd="med">
+        <p:fade/>
+      </p:transition>
+    </mc:Fallback>
+  </mc:AlternateContent>
   <p:timing>
     <p:tnLst>
       <p:par>
@@ -6477,33 +7300,6 @@
           <a:chExt cx="0" cy="0"/>
         </a:xfrm>
       </p:grpSpPr>
-      <p:sp>
-        <p:nvSpPr>
-          <p:cNvPr id="3" name="Content Placeholder 2"/>
-          <p:cNvSpPr>
-            <a:spLocks noGrp="1"/>
-          </p:cNvSpPr>
-          <p:nvPr>
-            <p:ph idx="1"/>
-          </p:nvPr>
-        </p:nvSpPr>
-        <p:spPr>
-          <a:xfrm>
-            <a:off x="457200" y="762000"/>
-            <a:ext cx="8229600" cy="5562600"/>
-          </a:xfrm>
-        </p:spPr>
-        <p:txBody>
-          <a:bodyPr/>
-          <a:lstStyle/>
-          <a:p>
-            <a:pPr>
-              <a:buNone/>
-            </a:pPr>
-            <a:endParaRPr lang="en-US" dirty="0"/>
-          </a:p>
-        </p:txBody>
-      </p:sp>
       <p:pic>
         <p:nvPicPr>
           <p:cNvPr id="1026" name="Picture 2" descr="J:\Downloads\200px-Metarefraction.svg.png"/>
@@ -6561,10 +7357,90 @@
   <p:clrMapOvr>
     <a:masterClrMapping/>
   </p:clrMapOvr>
+  <mc:AlternateContent xmlns:mc="http://schemas.openxmlformats.org/markup-compatibility/2006">
+    <mc:Choice xmlns:p14="http://schemas.microsoft.com/office/powerpoint/2010/main" Requires="p14">
+      <p:transition spd="med" p14:dur="700">
+        <p:fade/>
+      </p:transition>
+    </mc:Choice>
+    <mc:Fallback>
+      <p:transition spd="med">
+        <p:fade/>
+      </p:transition>
+    </mc:Fallback>
+  </mc:AlternateContent>
   <p:timing>
     <p:tnLst>
       <p:par>
-        <p:cTn id="1" dur="indefinite" restart="never" nodeType="tmRoot"/>
+        <p:cTn id="1" dur="indefinite" restart="never" nodeType="tmRoot">
+          <p:childTnLst>
+            <p:seq concurrent="1" nextAc="seek">
+              <p:cTn id="2" dur="indefinite" nodeType="mainSeq">
+                <p:childTnLst>
+                  <p:par>
+                    <p:cTn id="3" fill="hold">
+                      <p:stCondLst>
+                        <p:cond delay="indefinite"/>
+                      </p:stCondLst>
+                      <p:childTnLst>
+                        <p:par>
+                          <p:cTn id="4" fill="hold">
+                            <p:stCondLst>
+                              <p:cond delay="0"/>
+                            </p:stCondLst>
+                            <p:childTnLst>
+                              <p:par>
+                                <p:cTn id="5" presetID="1" presetClass="entr" presetSubtype="0" fill="hold" nodeType="clickEffect">
+                                  <p:stCondLst>
+                                    <p:cond delay="0"/>
+                                  </p:stCondLst>
+                                  <p:childTnLst>
+                                    <p:set>
+                                      <p:cBhvr>
+                                        <p:cTn id="6" dur="1" fill="hold">
+                                          <p:stCondLst>
+                                            <p:cond delay="0"/>
+                                          </p:stCondLst>
+                                        </p:cTn>
+                                        <p:tgtEl>
+                                          <p:spTgt spid="1027"/>
+                                        </p:tgtEl>
+                                        <p:attrNameLst>
+                                          <p:attrName>style.visibility</p:attrName>
+                                        </p:attrNameLst>
+                                      </p:cBhvr>
+                                      <p:to>
+                                        <p:strVal val="visible"/>
+                                      </p:to>
+                                    </p:set>
+                                  </p:childTnLst>
+                                </p:cTn>
+                              </p:par>
+                            </p:childTnLst>
+                          </p:cTn>
+                        </p:par>
+                      </p:childTnLst>
+                    </p:cTn>
+                  </p:par>
+                </p:childTnLst>
+              </p:cTn>
+              <p:prevCondLst>
+                <p:cond evt="onPrev" delay="0">
+                  <p:tgtEl>
+                    <p:sldTgt/>
+                  </p:tgtEl>
+                </p:cond>
+              </p:prevCondLst>
+              <p:nextCondLst>
+                <p:cond evt="onNext" delay="0">
+                  <p:tgtEl>
+                    <p:sldTgt/>
+                  </p:tgtEl>
+                </p:cond>
+              </p:nextCondLst>
+            </p:seq>
+          </p:childTnLst>
+        </p:cTn>
       </p:par>
     </p:tnLst>
   </p:timing>
@@ -6667,14 +7543,14 @@
             <a:pPr lvl="1"/>
             <a:r>
               <a:rPr lang="en-US" sz="2000" dirty="0" smtClean="0"/>
-              <a:t>high-speed fiber-optic </a:t>
+              <a:t>High-speed fiber-optic </a:t>
             </a:r>
           </a:p>
           <a:p>
             <a:pPr lvl="1"/>
             <a:r>
               <a:rPr lang="en-US" sz="2000" dirty="0" smtClean="0"/>
-              <a:t>efficient solar cells</a:t>
+              <a:t>Efficient solar cells</a:t>
             </a:r>
           </a:p>
           <a:p>
@@ -6692,6 +7568,18 @@
   <p:clrMapOvr>
     <a:masterClrMapping/>
   </p:clrMapOvr>
+  <mc:AlternateContent xmlns:mc="http://schemas.openxmlformats.org/markup-compatibility/2006">
+    <mc:Choice xmlns:p14="http://schemas.microsoft.com/office/powerpoint/2010/main" Requires="p14">
+      <p:transition spd="med" p14:dur="700">
+        <p:fade/>
+      </p:transition>
+    </mc:Choice>
+    <mc:Fallback>
+      <p:transition spd="med">
+        <p:fade/>
+      </p:transition>
+    </mc:Fallback>
+  </mc:AlternateContent>
   <p:timing>
     <p:tnLst>
       <p:par>
@@ -6794,11 +7682,117 @@
           <a:noFill/>
         </p:spPr>
       </p:pic>
+      <p:sp>
+        <p:nvSpPr>
+          <p:cNvPr id="3" name="Rectangle 2"/>
+          <p:cNvSpPr/>
+          <p:nvPr/>
+        </p:nvSpPr>
+        <p:spPr>
+          <a:xfrm>
+            <a:off x="838200" y="4114800"/>
+            <a:ext cx="3810000" cy="1828800"/>
+          </a:xfrm>
+          <a:prstGeom prst="rect">
+            <a:avLst/>
+          </a:prstGeom>
+          <a:noFill/>
+          <a:ln>
+            <a:solidFill>
+              <a:schemeClr val="bg1">
+                <a:lumMod val="50000"/>
+              </a:schemeClr>
+            </a:solidFill>
+            <a:prstDash val="sysDash"/>
+          </a:ln>
+        </p:spPr>
+        <p:style>
+          <a:lnRef idx="2">
+            <a:schemeClr val="accent6"/>
+          </a:lnRef>
+          <a:fillRef idx="1">
+            <a:schemeClr val="lt1"/>
+          </a:fillRef>
+          <a:effectRef idx="0">
+            <a:schemeClr val="accent6"/>
+          </a:effectRef>
+          <a:fontRef idx="minor">
+            <a:schemeClr val="dk1"/>
+          </a:fontRef>
+        </p:style>
+        <p:txBody>
+          <a:bodyPr rtlCol="0" anchor="ctr"/>
+          <a:lstStyle/>
+          <a:p>
+            <a:pPr algn="ctr"/>
+            <a:endParaRPr lang="en-GB"/>
+          </a:p>
+        </p:txBody>
+      </p:sp>
+      <p:sp>
+        <p:nvSpPr>
+          <p:cNvPr id="7" name="Rectangle 6"/>
+          <p:cNvSpPr/>
+          <p:nvPr/>
+        </p:nvSpPr>
+        <p:spPr>
+          <a:xfrm>
+            <a:off x="4844143" y="4414838"/>
+            <a:ext cx="3810000" cy="1604962"/>
+          </a:xfrm>
+          <a:prstGeom prst="rect">
+            <a:avLst/>
+          </a:prstGeom>
+          <a:noFill/>
+          <a:ln>
+            <a:solidFill>
+              <a:schemeClr val="bg1">
+                <a:lumMod val="50000"/>
+              </a:schemeClr>
+            </a:solidFill>
+            <a:prstDash val="sysDash"/>
+          </a:ln>
+        </p:spPr>
+        <p:style>
+          <a:lnRef idx="2">
+            <a:schemeClr val="accent6"/>
+          </a:lnRef>
+          <a:fillRef idx="1">
+            <a:schemeClr val="lt1"/>
+          </a:fillRef>
+          <a:effectRef idx="0">
+            <a:schemeClr val="accent6"/>
+          </a:effectRef>
+          <a:fontRef idx="minor">
+            <a:schemeClr val="dk1"/>
+          </a:fontRef>
+        </p:style>
+        <p:txBody>
+          <a:bodyPr rtlCol="0" anchor="ctr"/>
+          <a:lstStyle/>
+          <a:p>
+            <a:pPr algn="ctr"/>
+            <a:endParaRPr lang="en-GB"/>
+          </a:p>
+        </p:txBody>
+      </p:sp>
     </p:spTree>
   </p:cSld>
   <p:clrMapOvr>
     <a:masterClrMapping/>
   </p:clrMapOvr>
+  <mc:AlternateContent xmlns:mc="http://schemas.openxmlformats.org/markup-compatibility/2006">
+    <mc:Choice xmlns:p14="http://schemas.microsoft.com/office/powerpoint/2010/main" Requires="p14">
+      <p:transition spd="med" p14:dur="700">
+        <p:fade/>
+      </p:transition>
+    </mc:Choice>
+    <mc:Fallback>
+      <p:transition spd="med">
+        <p:fade/>
+      </p:transition>
+    </mc:Fallback>
+  </mc:AlternateContent>
   <p:timing>
     <p:tnLst>
       <p:par>
@@ -6888,6 +7882,18 @@
   <p:clrMapOvr>
     <a:masterClrMapping/>
   </p:clrMapOvr>
+  <mc:AlternateContent xmlns:mc="http://schemas.openxmlformats.org/markup-compatibility/2006">
+    <mc:Choice xmlns:p14="http://schemas.microsoft.com/office/powerpoint/2010/main" Requires="p14">
+      <p:transition spd="med" p14:dur="700">
+        <p:fade/>
+      </p:transition>
+    </mc:Choice>
+    <mc:Fallback>
+      <p:transition spd="med">
+        <p:fade/>
+      </p:transition>
+    </mc:Fallback>
+  </mc:AlternateContent>
   <p:timing>
     <p:tnLst>
       <p:par>
@@ -7260,6 +8266,18 @@
   <p:clrMapOvr>
     <a:masterClrMapping/>
   </p:clrMapOvr>
+  <mc:AlternateContent xmlns:mc="http://schemas.openxmlformats.org/markup-compatibility/2006">
+    <mc:Choice xmlns:p14="http://schemas.microsoft.com/office/powerpoint/2010/main" Requires="p14">
+      <p:transition spd="med" p14:dur="700">
+        <p:fade/>
+      </p:transition>
+    </mc:Choice>
+    <mc:Fallback>
+      <p:transition spd="med">
+        <p:fade/>
+      </p:transition>
+    </mc:Fallback>
+  </mc:AlternateContent>
   <p:timing>
     <p:tnLst>
       <p:par>

--- a/trunk/junaid_presentation_v1.pptx
+++ b/trunk/junaid_presentation_v1.pptx
@@ -5,7 +5,7 @@
     <p:sldMasterId id="2147483830" r:id="rId2"/>
   </p:sldMasterIdLst>
   <p:notesMasterIdLst>
-    <p:notesMasterId r:id="rId21"/>
+    <p:notesMasterId r:id="rId22"/>
   </p:notesMasterIdLst>
   <p:sldIdLst>
     <p:sldId id="256" r:id="rId3"/>
@@ -22,10 +22,11 @@
     <p:sldId id="276" r:id="rId14"/>
     <p:sldId id="268" r:id="rId15"/>
     <p:sldId id="269" r:id="rId16"/>
-    <p:sldId id="272" r:id="rId17"/>
-    <p:sldId id="270" r:id="rId18"/>
-    <p:sldId id="273" r:id="rId19"/>
-    <p:sldId id="274" r:id="rId20"/>
+    <p:sldId id="277" r:id="rId17"/>
+    <p:sldId id="272" r:id="rId18"/>
+    <p:sldId id="270" r:id="rId19"/>
+    <p:sldId id="273" r:id="rId20"/>
+    <p:sldId id="274" r:id="rId21"/>
   </p:sldIdLst>
   <p:sldSz cx="9144000" cy="6858000" type="screen4x3"/>
   <p:notesSz cx="6858000" cy="9144000"/>
@@ -1115,7 +1116,7 @@
             <a:fld id="{7391B597-7F42-4E6C-A16E-96B6B138CE43}" type="slidenum">
               <a:rPr lang="en-US" smtClean="0"/>
               <a:pPr/>
-              <a:t>16</a:t>
+              <a:t>17</a:t>
             </a:fld>
             <a:endParaRPr lang="en-US"/>
           </a:p>
@@ -1247,19 +1248,7 @@
                 <a:cs typeface="+mn-cs"/>
                 <a:hlinkClick r:id="rId5" tooltip="Diffraction limit"/>
               </a:rPr>
-              <a:t>diffraction </a:t>
-            </a:r>
-            <a:r>
-              <a:rPr lang="en-US" sz="1200" b="0" i="0" u="none" strike="noStrike" kern="1200" dirty="0" smtClean="0">
-                <a:solidFill>
-                  <a:schemeClr val="tx1"/>
-                </a:solidFill>
-                <a:latin typeface="+mn-lt"/>
-                <a:ea typeface="+mn-ea"/>
-                <a:cs typeface="+mn-cs"/>
-                <a:hlinkClick r:id="rId5" tooltip="Diffraction limit"/>
-              </a:rPr>
-              <a:t>limit</a:t>
+              <a:t>diffraction limit</a:t>
             </a:r>
             <a:endParaRPr lang="en-US" dirty="0"/>
           </a:p>
@@ -1283,7 +1272,7 @@
             <a:fld id="{7391B597-7F42-4E6C-A16E-96B6B138CE43}" type="slidenum">
               <a:rPr lang="en-US" smtClean="0"/>
               <a:pPr/>
-              <a:t>17</a:t>
+              <a:t>18</a:t>
             </a:fld>
             <a:endParaRPr lang="en-US"/>
           </a:p>
@@ -1530,13 +1519,13 @@
   <p:clrMapOvr>
     <a:overrideClrMapping bg1="dk1" tx1="lt1" bg2="dk2" tx2="lt2" accent1="accent1" accent2="accent2" accent3="accent3" accent4="accent4" accent5="accent5" accent6="accent6" hlink="hlink" folHlink="folHlink"/>
   </p:clrMapOvr>
-  <mc:AlternateContent xmlns:mc="http://schemas.openxmlformats.org/markup-compatibility/2006">
-    <mc:Choice xmlns:p14="http://schemas.microsoft.com/office/powerpoint/2010/main" Requires="p14">
+  <mc:AlternateContent xmlns:mc="http://schemas.openxmlformats.org/markup-compatibility/2006" xmlns:p14="http://schemas.microsoft.com/office/powerpoint/2010/main">
+    <mc:Choice Requires="p14">
       <p:transition spd="med" p14:dur="700">
         <p:fade/>
       </p:transition>
     </mc:Choice>
-    <mc:Fallback>
+    <mc:Fallback xmlns="">
       <p:transition spd="med">
         <p:fade/>
       </p:transition>
@@ -1709,13 +1698,13 @@
   <p:clrMapOvr>
     <a:masterClrMapping/>
   </p:clrMapOvr>
-  <mc:AlternateContent xmlns:mc="http://schemas.openxmlformats.org/markup-compatibility/2006">
-    <mc:Choice xmlns:p14="http://schemas.microsoft.com/office/powerpoint/2010/main" Requires="p14">
+  <mc:AlternateContent xmlns:mc="http://schemas.openxmlformats.org/markup-compatibility/2006" xmlns:p14="http://schemas.microsoft.com/office/powerpoint/2010/main">
+    <mc:Choice Requires="p14">
       <p:transition spd="med" p14:dur="700">
         <p:fade/>
       </p:transition>
     </mc:Choice>
-    <mc:Fallback>
+    <mc:Fallback xmlns="">
       <p:transition spd="med">
         <p:fade/>
       </p:transition>
@@ -1898,13 +1887,13 @@
   <p:clrMapOvr>
     <a:masterClrMapping/>
   </p:clrMapOvr>
-  <mc:AlternateContent xmlns:mc="http://schemas.openxmlformats.org/markup-compatibility/2006">
-    <mc:Choice xmlns:p14="http://schemas.microsoft.com/office/powerpoint/2010/main" Requires="p14">
+  <mc:AlternateContent xmlns:mc="http://schemas.openxmlformats.org/markup-compatibility/2006" xmlns:p14="http://schemas.microsoft.com/office/powerpoint/2010/main">
+    <mc:Choice Requires="p14">
       <p:transition spd="med" p14:dur="700">
         <p:fade/>
       </p:transition>
     </mc:Choice>
-    <mc:Fallback>
+    <mc:Fallback xmlns="">
       <p:transition spd="med">
         <p:fade/>
       </p:transition>
@@ -2077,13 +2066,13 @@
   <p:clrMapOvr>
     <a:masterClrMapping/>
   </p:clrMapOvr>
-  <mc:AlternateContent xmlns:mc="http://schemas.openxmlformats.org/markup-compatibility/2006">
-    <mc:Choice xmlns:p14="http://schemas.microsoft.com/office/powerpoint/2010/main" Requires="p14">
+  <mc:AlternateContent xmlns:mc="http://schemas.openxmlformats.org/markup-compatibility/2006" xmlns:p14="http://schemas.microsoft.com/office/powerpoint/2010/main">
+    <mc:Choice Requires="p14">
       <p:transition spd="med" p14:dur="700">
         <p:fade/>
       </p:transition>
     </mc:Choice>
-    <mc:Fallback>
+    <mc:Fallback xmlns="">
       <p:transition spd="med">
         <p:fade/>
       </p:transition>
@@ -2333,13 +2322,13 @@
   <p:clrMapOvr>
     <a:overrideClrMapping bg1="dk1" tx1="lt1" bg2="dk2" tx2="lt2" accent1="accent1" accent2="accent2" accent3="accent3" accent4="accent4" accent5="accent5" accent6="accent6" hlink="hlink" folHlink="folHlink"/>
   </p:clrMapOvr>
-  <mc:AlternateContent xmlns:mc="http://schemas.openxmlformats.org/markup-compatibility/2006">
-    <mc:Choice xmlns:p14="http://schemas.microsoft.com/office/powerpoint/2010/main" Requires="p14">
+  <mc:AlternateContent xmlns:mc="http://schemas.openxmlformats.org/markup-compatibility/2006" xmlns:p14="http://schemas.microsoft.com/office/powerpoint/2010/main">
+    <mc:Choice Requires="p14">
       <p:transition spd="med" p14:dur="700">
         <p:fade/>
       </p:transition>
     </mc:Choice>
-    <mc:Fallback>
+    <mc:Fallback xmlns="">
       <p:transition spd="med">
         <p:fade/>
       </p:transition>
@@ -2611,13 +2600,13 @@
   <p:clrMapOvr>
     <a:masterClrMapping/>
   </p:clrMapOvr>
-  <mc:AlternateContent xmlns:mc="http://schemas.openxmlformats.org/markup-compatibility/2006">
-    <mc:Choice xmlns:p14="http://schemas.microsoft.com/office/powerpoint/2010/main" Requires="p14">
+  <mc:AlternateContent xmlns:mc="http://schemas.openxmlformats.org/markup-compatibility/2006" xmlns:p14="http://schemas.microsoft.com/office/powerpoint/2010/main">
+    <mc:Choice Requires="p14">
       <p:transition spd="med" p14:dur="700">
         <p:fade/>
       </p:transition>
     </mc:Choice>
-    <mc:Fallback>
+    <mc:Fallback xmlns="">
       <p:transition spd="med">
         <p:fade/>
       </p:transition>
@@ -3003,13 +2992,13 @@
   <p:clrMapOvr>
     <a:masterClrMapping/>
   </p:clrMapOvr>
-  <mc:AlternateContent xmlns:mc="http://schemas.openxmlformats.org/markup-compatibility/2006">
-    <mc:Choice xmlns:p14="http://schemas.microsoft.com/office/powerpoint/2010/main" Requires="p14">
+  <mc:AlternateContent xmlns:mc="http://schemas.openxmlformats.org/markup-compatibility/2006" xmlns:p14="http://schemas.microsoft.com/office/powerpoint/2010/main">
+    <mc:Choice Requires="p14">
       <p:transition spd="med" p14:dur="700">
         <p:fade/>
       </p:transition>
     </mc:Choice>
-    <mc:Fallback>
+    <mc:Fallback xmlns="">
       <p:transition spd="med">
         <p:fade/>
       </p:transition>
@@ -3167,13 +3156,13 @@
   <p:clrMapOvr>
     <a:masterClrMapping/>
   </p:clrMapOvr>
-  <mc:AlternateContent xmlns:mc="http://schemas.openxmlformats.org/markup-compatibility/2006">
-    <mc:Choice xmlns:p14="http://schemas.microsoft.com/office/powerpoint/2010/main" Requires="p14">
+  <mc:AlternateContent xmlns:mc="http://schemas.openxmlformats.org/markup-compatibility/2006" xmlns:p14="http://schemas.microsoft.com/office/powerpoint/2010/main">
+    <mc:Choice Requires="p14">
       <p:transition spd="med" p14:dur="700">
         <p:fade/>
       </p:transition>
     </mc:Choice>
-    <mc:Fallback>
+    <mc:Fallback xmlns="">
       <p:transition spd="med">
         <p:fade/>
       </p:transition>
@@ -3271,13 +3260,13 @@
   <p:clrMapOvr>
     <a:masterClrMapping/>
   </p:clrMapOvr>
-  <mc:AlternateContent xmlns:mc="http://schemas.openxmlformats.org/markup-compatibility/2006">
-    <mc:Choice xmlns:p14="http://schemas.microsoft.com/office/powerpoint/2010/main" Requires="p14">
+  <mc:AlternateContent xmlns:mc="http://schemas.openxmlformats.org/markup-compatibility/2006" xmlns:p14="http://schemas.microsoft.com/office/powerpoint/2010/main">
+    <mc:Choice Requires="p14">
       <p:transition spd="med" p14:dur="700">
         <p:fade/>
       </p:transition>
     </mc:Choice>
-    <mc:Fallback>
+    <mc:Fallback xmlns="">
       <p:transition spd="med">
         <p:fade/>
       </p:transition>
@@ -3546,13 +3535,13 @@
   <p:clrMapOvr>
     <a:masterClrMapping/>
   </p:clrMapOvr>
-  <mc:AlternateContent xmlns:mc="http://schemas.openxmlformats.org/markup-compatibility/2006">
-    <mc:Choice xmlns:p14="http://schemas.microsoft.com/office/powerpoint/2010/main" Requires="p14">
+  <mc:AlternateContent xmlns:mc="http://schemas.openxmlformats.org/markup-compatibility/2006" xmlns:p14="http://schemas.microsoft.com/office/powerpoint/2010/main">
+    <mc:Choice Requires="p14">
       <p:transition spd="med" p14:dur="700">
         <p:fade/>
       </p:transition>
     </mc:Choice>
-    <mc:Fallback>
+    <mc:Fallback xmlns="">
       <p:transition spd="med">
         <p:fade/>
       </p:transition>
@@ -4155,13 +4144,13 @@
   <p:clrMapOvr>
     <a:masterClrMapping/>
   </p:clrMapOvr>
-  <mc:AlternateContent xmlns:mc="http://schemas.openxmlformats.org/markup-compatibility/2006">
-    <mc:Choice xmlns:p14="http://schemas.microsoft.com/office/powerpoint/2010/main" Requires="p14">
+  <mc:AlternateContent xmlns:mc="http://schemas.openxmlformats.org/markup-compatibility/2006" xmlns:p14="http://schemas.microsoft.com/office/powerpoint/2010/main">
+    <mc:Choice Requires="p14">
       <p:transition spd="med" p14:dur="700">
         <p:fade/>
       </p:transition>
     </mc:Choice>
-    <mc:Fallback>
+    <mc:Fallback xmlns="">
       <p:transition spd="med">
         <p:fade/>
       </p:transition>
@@ -4894,13 +4883,13 @@
     <p:sldLayoutId id="2147483840" r:id="rId10"/>
     <p:sldLayoutId id="2147483841" r:id="rId11"/>
   </p:sldLayoutIdLst>
-  <mc:AlternateContent xmlns:mc="http://schemas.openxmlformats.org/markup-compatibility/2006">
-    <mc:Choice xmlns:p14="http://schemas.microsoft.com/office/powerpoint/2010/main" Requires="p14">
+  <mc:AlternateContent xmlns:mc="http://schemas.openxmlformats.org/markup-compatibility/2006" xmlns:p14="http://schemas.microsoft.com/office/powerpoint/2010/main">
+    <mc:Choice Requires="p14">
       <p:transition spd="med" p14:dur="700">
         <p:fade/>
       </p:transition>
     </mc:Choice>
-    <mc:Fallback>
+    <mc:Fallback xmlns="">
       <p:transition spd="med">
         <p:fade/>
       </p:transition>
@@ -5466,13 +5455,13 @@
   <p:clrMapOvr>
     <a:masterClrMapping/>
   </p:clrMapOvr>
-  <mc:AlternateContent xmlns:mc="http://schemas.openxmlformats.org/markup-compatibility/2006">
-    <mc:Choice xmlns:p14="http://schemas.microsoft.com/office/powerpoint/2010/main" Requires="p14">
+  <mc:AlternateContent xmlns:mc="http://schemas.openxmlformats.org/markup-compatibility/2006" xmlns:p14="http://schemas.microsoft.com/office/powerpoint/2010/main">
+    <mc:Choice Requires="p14">
       <p:transition spd="med" p14:dur="700">
         <p:fade/>
       </p:transition>
     </mc:Choice>
-    <mc:Fallback>
+    <mc:Fallback xmlns="">
       <p:transition spd="med">
         <p:fade/>
       </p:transition>
@@ -5573,13 +5562,8 @@
             <a:pPr lvl="1"/>
             <a:r>
               <a:rPr lang="en-US" dirty="0" smtClean="0"/>
-              <a:t>	</a:t>
-            </a:r>
-            <a:r>
-              <a:rPr lang="en-US" dirty="0" smtClean="0"/>
-              <a:t>Frequency domain analysis of medium</a:t>
-            </a:r>
-            <a:endParaRPr lang="en-US" dirty="0" smtClean="0"/>
+              <a:t>	Frequency domain analysis of medium</a:t>
+            </a:r>
           </a:p>
           <a:p>
             <a:r>
@@ -5656,13 +5640,13 @@
   <p:clrMapOvr>
     <a:masterClrMapping/>
   </p:clrMapOvr>
-  <mc:AlternateContent xmlns:mc="http://schemas.openxmlformats.org/markup-compatibility/2006">
-    <mc:Choice xmlns:p14="http://schemas.microsoft.com/office/powerpoint/2010/main" Requires="p14">
+  <mc:AlternateContent xmlns:mc="http://schemas.openxmlformats.org/markup-compatibility/2006" xmlns:p14="http://schemas.microsoft.com/office/powerpoint/2010/main">
+    <mc:Choice Requires="p14">
       <p:transition spd="med" p14:dur="700">
         <p:fade/>
       </p:transition>
     </mc:Choice>
-    <mc:Fallback>
+    <mc:Fallback xmlns="">
       <p:transition spd="med">
         <p:fade/>
       </p:transition>
@@ -5947,13 +5931,13 @@
   <p:clrMapOvr>
     <a:masterClrMapping/>
   </p:clrMapOvr>
-  <mc:AlternateContent xmlns:mc="http://schemas.openxmlformats.org/markup-compatibility/2006">
-    <mc:Choice xmlns:p14="http://schemas.microsoft.com/office/powerpoint/2010/main" Requires="p14">
+  <mc:AlternateContent xmlns:mc="http://schemas.openxmlformats.org/markup-compatibility/2006" xmlns:p14="http://schemas.microsoft.com/office/powerpoint/2010/main">
+    <mc:Choice Requires="p14">
       <p:transition spd="med" p14:dur="700">
         <p:fade/>
       </p:transition>
     </mc:Choice>
-    <mc:Fallback>
+    <mc:Fallback xmlns="">
       <p:transition spd="med">
         <p:fade/>
       </p:transition>
@@ -6021,13 +6005,13 @@
   <p:clrMapOvr>
     <a:masterClrMapping/>
   </p:clrMapOvr>
-  <mc:AlternateContent xmlns:mc="http://schemas.openxmlformats.org/markup-compatibility/2006">
-    <mc:Choice xmlns:p14="http://schemas.microsoft.com/office/powerpoint/2010/main" Requires="p14">
+  <mc:AlternateContent xmlns:mc="http://schemas.openxmlformats.org/markup-compatibility/2006" xmlns:p14="http://schemas.microsoft.com/office/powerpoint/2010/main">
+    <mc:Choice Requires="p14">
       <p:transition spd="med" p14:dur="700">
         <p:fade/>
       </p:transition>
     </mc:Choice>
-    <mc:Fallback>
+    <mc:Fallback xmlns="">
       <p:transition spd="med">
         <p:fade/>
       </p:transition>
@@ -6077,11 +6061,7 @@
           <a:p>
             <a:r>
               <a:rPr lang="en-US" b="1" dirty="0" smtClean="0"/>
-              <a:t>How FDTD </a:t>
-            </a:r>
-            <a:r>
-              <a:rPr lang="en-US" b="1" dirty="0" smtClean="0"/>
-              <a:t>Works?</a:t>
+              <a:t>How FDTD Works?</a:t>
             </a:r>
             <a:endParaRPr lang="en-US" b="1" dirty="0"/>
           </a:p>
@@ -6183,13 +6163,13 @@
   <p:clrMapOvr>
     <a:masterClrMapping/>
   </p:clrMapOvr>
-  <mc:AlternateContent xmlns:mc="http://schemas.openxmlformats.org/markup-compatibility/2006">
-    <mc:Choice xmlns:p14="http://schemas.microsoft.com/office/powerpoint/2010/main" Requires="p14">
+  <mc:AlternateContent xmlns:mc="http://schemas.openxmlformats.org/markup-compatibility/2006" xmlns:p14="http://schemas.microsoft.com/office/powerpoint/2010/main">
+    <mc:Choice Requires="p14">
       <p:transition spd="med" p14:dur="700">
         <p:fade/>
       </p:transition>
     </mc:Choice>
-    <mc:Fallback>
+    <mc:Fallback xmlns="">
       <p:transition spd="med">
         <p:fade/>
       </p:transition>
@@ -6328,13 +6308,13 @@
   <p:clrMapOvr>
     <a:masterClrMapping/>
   </p:clrMapOvr>
-  <mc:AlternateContent xmlns:mc="http://schemas.openxmlformats.org/markup-compatibility/2006">
-    <mc:Choice xmlns:p14="http://schemas.microsoft.com/office/powerpoint/2010/main" Requires="p14">
+  <mc:AlternateContent xmlns:mc="http://schemas.openxmlformats.org/markup-compatibility/2006" xmlns:p14="http://schemas.microsoft.com/office/powerpoint/2010/main">
+    <mc:Choice Requires="p14">
       <p:transition spd="med" p14:dur="700">
         <p:fade/>
       </p:transition>
     </mc:Choice>
-    <mc:Fallback>
+    <mc:Fallback xmlns="">
       <p:transition spd="med">
         <p:fade/>
       </p:transition>
@@ -6379,187 +6359,53 @@
         </p:nvSpPr>
         <p:spPr/>
         <p:txBody>
-          <a:bodyPr>
-            <a:normAutofit/>
-          </a:bodyPr>
-          <a:lstStyle/>
-          <a:p>
-            <a:r>
-              <a:rPr lang="en-US" b="1" dirty="0" smtClean="0"/>
-              <a:t>Refractive index</a:t>
-            </a:r>
-            <a:endParaRPr lang="en-US" b="1" dirty="0"/>
-          </a:p>
-        </p:txBody>
-      </p:sp>
-      <p:sp>
-        <p:nvSpPr>
-          <p:cNvPr id="3" name="Content Placeholder 2"/>
-          <p:cNvSpPr>
-            <a:spLocks noGrp="1"/>
-          </p:cNvSpPr>
-          <p:nvPr>
-            <p:ph idx="1"/>
-          </p:nvPr>
-        </p:nvSpPr>
-        <p:spPr/>
-        <p:txBody>
           <a:bodyPr/>
           <a:lstStyle/>
           <a:p>
-            <a:endParaRPr lang="en-US" dirty="0" smtClean="0"/>
-          </a:p>
-          <a:p>
-            <a:pPr algn="just"/>
-            <a:r>
-              <a:rPr lang="en-US" dirty="0" smtClean="0"/>
-              <a:t>                where </a:t>
-            </a:r>
-            <a:r>
-              <a:rPr lang="en-US" i="1" dirty="0" smtClean="0"/>
-              <a:t>c</a:t>
-            </a:r>
-            <a:r>
-              <a:rPr lang="en-US" dirty="0" smtClean="0"/>
-              <a:t> is the speed of light in vacuum and </a:t>
-            </a:r>
-            <a:r>
-              <a:rPr lang="en-US" i="1" dirty="0" smtClean="0"/>
-              <a:t>v</a:t>
-            </a:r>
-            <a:r>
-              <a:rPr lang="en-US" dirty="0" smtClean="0"/>
-              <a:t> is the speed of light in the substance</a:t>
-            </a:r>
-          </a:p>
-          <a:p>
-            <a:endParaRPr lang="en-US" dirty="0" smtClean="0"/>
-          </a:p>
-          <a:p>
-            <a:pPr algn="just"/>
-            <a:r>
-              <a:rPr lang="en-US" dirty="0" smtClean="0"/>
-              <a:t>Snell's law of refraction, </a:t>
-            </a:r>
-            <a:r>
-              <a:rPr lang="en-US" i="1" dirty="0" smtClean="0"/>
-              <a:t>n</a:t>
-            </a:r>
-            <a:r>
-              <a:rPr lang="en-US" baseline="-25000" dirty="0" smtClean="0"/>
-              <a:t>1</a:t>
-            </a:r>
-            <a:r>
-              <a:rPr lang="en-US" dirty="0" smtClean="0"/>
-              <a:t>sin</a:t>
-            </a:r>
-            <a:r>
-              <a:rPr lang="en-US" i="1" dirty="0" smtClean="0"/>
-              <a:t>θ</a:t>
-            </a:r>
-            <a:r>
-              <a:rPr lang="en-US" baseline="-25000" dirty="0" smtClean="0"/>
-              <a:t>1</a:t>
-            </a:r>
-            <a:r>
-              <a:rPr lang="en-US" dirty="0" smtClean="0"/>
-              <a:t>= </a:t>
-            </a:r>
-            <a:r>
-              <a:rPr lang="en-US" i="1" dirty="0" smtClean="0"/>
-              <a:t>n</a:t>
-            </a:r>
-            <a:r>
-              <a:rPr lang="en-US" baseline="-25000" dirty="0" smtClean="0"/>
-              <a:t>2</a:t>
-            </a:r>
-            <a:r>
-              <a:rPr lang="en-US" dirty="0" smtClean="0"/>
-              <a:t>sin</a:t>
-            </a:r>
-            <a:r>
-              <a:rPr lang="en-US" i="1" dirty="0" smtClean="0"/>
-              <a:t>θ</a:t>
-            </a:r>
-            <a:r>
-              <a:rPr lang="en-US" baseline="-25000" dirty="0" smtClean="0"/>
-              <a:t>2</a:t>
-            </a:r>
-            <a:r>
-              <a:rPr lang="en-US" dirty="0" smtClean="0"/>
-              <a:t>, where θ</a:t>
-            </a:r>
-            <a:r>
-              <a:rPr lang="en-US" baseline="-25000" dirty="0" smtClean="0"/>
-              <a:t>1</a:t>
-            </a:r>
-            <a:r>
-              <a:rPr lang="en-US" dirty="0" smtClean="0"/>
-              <a:t> and θ</a:t>
-            </a:r>
-            <a:r>
-              <a:rPr lang="en-US" baseline="-25000" dirty="0" smtClean="0"/>
-              <a:t>2</a:t>
-            </a:r>
-            <a:r>
-              <a:rPr lang="en-US" dirty="0" smtClean="0"/>
-              <a:t> are the angles of incidence of a ray crossing the interface between two media with refractive indices </a:t>
-            </a:r>
-            <a:r>
-              <a:rPr lang="en-US" i="1" dirty="0" smtClean="0"/>
-              <a:t>n</a:t>
-            </a:r>
-            <a:r>
-              <a:rPr lang="en-US" baseline="-25000" dirty="0" smtClean="0"/>
-              <a:t>1</a:t>
-            </a:r>
-            <a:r>
-              <a:rPr lang="en-US" dirty="0" smtClean="0"/>
-              <a:t> and </a:t>
-            </a:r>
-            <a:r>
-              <a:rPr lang="en-US" i="1" dirty="0" smtClean="0"/>
-              <a:t>n</a:t>
-            </a:r>
-            <a:r>
-              <a:rPr lang="en-US" baseline="-25000" dirty="0" smtClean="0"/>
-              <a:t>2</a:t>
-            </a:r>
-            <a:r>
-              <a:rPr lang="en-US" dirty="0" smtClean="0"/>
-              <a:t>.</a:t>
-            </a:r>
-            <a:endParaRPr lang="en-US" dirty="0"/>
+            <a:r>
+              <a:rPr lang="en-US" b="1" dirty="0"/>
+              <a:t>How FDTD works</a:t>
+            </a:r>
+            <a:endParaRPr lang="en-GB" dirty="0"/>
           </a:p>
         </p:txBody>
       </p:sp>
       <p:pic>
         <p:nvPicPr>
-          <p:cNvPr id="7170" name="Picture 2" descr="C:\Users\Junaid\Desktop\k.PNG"/>
+          <p:cNvPr id="5" name="Picture 4"/>
           <p:cNvPicPr>
-            <a:picLocks noChangeAspect="1" noChangeArrowheads="1"/>
+            <a:picLocks noChangeAspect="1"/>
           </p:cNvPicPr>
           <p:nvPr/>
         </p:nvPicPr>
         <p:blipFill>
-          <a:blip r:embed="rId2" cstate="print"/>
-          <a:srcRect/>
+          <a:blip r:embed="rId2">
+            <a:extLst>
+              <a:ext uri="{28A0092B-C50C-407E-A947-70E740481C1C}">
+                <a14:useLocalDpi xmlns:a14="http://schemas.microsoft.com/office/drawing/2010/main" val="0"/>
+              </a:ext>
+            </a:extLst>
+          </a:blip>
           <a:stretch>
             <a:fillRect/>
           </a:stretch>
         </p:blipFill>
-        <p:spPr bwMode="auto">
+        <p:spPr>
           <a:xfrm>
-            <a:off x="762000" y="2043113"/>
-            <a:ext cx="1115914" cy="776288"/>
+            <a:off x="1419060" y="1847088"/>
+            <a:ext cx="6305879" cy="4706112"/>
           </a:xfrm>
           <a:prstGeom prst="rect">
             <a:avLst/>
           </a:prstGeom>
-          <a:noFill/>
         </p:spPr>
       </p:pic>
     </p:spTree>
+    <p:extLst>
+      <p:ext uri="{BB962C8B-B14F-4D97-AF65-F5344CB8AC3E}">
+        <p14:creationId xmlns:p14="http://schemas.microsoft.com/office/powerpoint/2010/main" val="226527235"/>
+      </p:ext>
+    </p:extLst>
   </p:cSld>
   <p:clrMapOvr>
     <a:masterClrMapping/>
@@ -6615,52 +6461,170 @@
         </p:nvSpPr>
         <p:spPr/>
         <p:txBody>
-          <a:bodyPr/>
-          <a:lstStyle/>
-          <a:p>
-            <a:r>
-              <a:rPr lang="en-US" b="1" dirty="0" smtClean="0"/>
-              <a:t>Applications of NIM</a:t>
-            </a:r>
-            <a:endParaRPr lang="en-US" b="1" dirty="0"/>
-          </a:p>
-        </p:txBody>
-      </p:sp>
-      <p:sp>
-        <p:nvSpPr>
-          <p:cNvPr id="3" name="Content Placeholder 2"/>
-          <p:cNvSpPr>
-            <a:spLocks noGrp="1"/>
-          </p:cNvSpPr>
-          <p:nvPr>
-            <p:ph idx="1"/>
-          </p:nvPr>
-        </p:nvSpPr>
-        <p:spPr/>
-        <p:txBody>
           <a:bodyPr>
             <a:normAutofit/>
           </a:bodyPr>
           <a:lstStyle/>
           <a:p>
             <a:r>
-              <a:rPr lang="en-US" sz="2400" dirty="0" smtClean="0"/>
-              <a:t>Cloaking</a:t>
-            </a:r>
-            <a:endParaRPr lang="en-US" sz="2000" dirty="0"/>
+              <a:rPr lang="en-US" b="1" dirty="0" smtClean="0"/>
+              <a:t>Refractive index</a:t>
+            </a:r>
+            <a:endParaRPr lang="en-US" b="1" dirty="0"/>
+          </a:p>
+        </p:txBody>
+      </p:sp>
+      <p:sp>
+        <p:nvSpPr>
+          <p:cNvPr id="3" name="Content Placeholder 2"/>
+          <p:cNvSpPr>
+            <a:spLocks noGrp="1"/>
+          </p:cNvSpPr>
+          <p:nvPr>
+            <p:ph idx="1"/>
+          </p:nvPr>
+        </p:nvSpPr>
+        <p:spPr/>
+        <p:txBody>
+          <a:bodyPr/>
+          <a:lstStyle/>
+          <a:p>
+            <a:endParaRPr lang="en-US" dirty="0" smtClean="0"/>
+          </a:p>
+          <a:p>
+            <a:pPr algn="just"/>
+            <a:r>
+              <a:rPr lang="en-US" dirty="0" smtClean="0"/>
+              <a:t>                where </a:t>
+            </a:r>
+            <a:r>
+              <a:rPr lang="en-US" i="1" dirty="0" smtClean="0"/>
+              <a:t>c</a:t>
+            </a:r>
+            <a:r>
+              <a:rPr lang="en-US" dirty="0" smtClean="0"/>
+              <a:t> is the speed of light in vacuum and </a:t>
+            </a:r>
+            <a:r>
+              <a:rPr lang="en-US" i="1" dirty="0" smtClean="0"/>
+              <a:t>v</a:t>
+            </a:r>
+            <a:r>
+              <a:rPr lang="en-US" dirty="0" smtClean="0"/>
+              <a:t> is the speed of light in the substance</a:t>
+            </a:r>
+          </a:p>
+          <a:p>
+            <a:endParaRPr lang="en-US" dirty="0" smtClean="0"/>
+          </a:p>
+          <a:p>
+            <a:pPr algn="just"/>
+            <a:r>
+              <a:rPr lang="en-US" dirty="0" smtClean="0"/>
+              <a:t>Snell's law of refraction, </a:t>
+            </a:r>
+            <a:r>
+              <a:rPr lang="en-US" i="1" dirty="0" smtClean="0"/>
+              <a:t>n</a:t>
+            </a:r>
+            <a:r>
+              <a:rPr lang="en-US" baseline="-25000" dirty="0" smtClean="0"/>
+              <a:t>1</a:t>
+            </a:r>
+            <a:r>
+              <a:rPr lang="en-US" dirty="0" smtClean="0"/>
+              <a:t>sin</a:t>
+            </a:r>
+            <a:r>
+              <a:rPr lang="en-US" i="1" dirty="0" smtClean="0"/>
+              <a:t>θ</a:t>
+            </a:r>
+            <a:r>
+              <a:rPr lang="en-US" baseline="-25000" dirty="0" smtClean="0"/>
+              <a:t>1</a:t>
+            </a:r>
+            <a:r>
+              <a:rPr lang="en-US" dirty="0" smtClean="0"/>
+              <a:t>= </a:t>
+            </a:r>
+            <a:r>
+              <a:rPr lang="en-US" i="1" dirty="0" smtClean="0"/>
+              <a:t>n</a:t>
+            </a:r>
+            <a:r>
+              <a:rPr lang="en-US" baseline="-25000" dirty="0" smtClean="0"/>
+              <a:t>2</a:t>
+            </a:r>
+            <a:r>
+              <a:rPr lang="en-US" dirty="0" smtClean="0"/>
+              <a:t>sin</a:t>
+            </a:r>
+            <a:r>
+              <a:rPr lang="en-US" i="1" dirty="0" smtClean="0"/>
+              <a:t>θ</a:t>
+            </a:r>
+            <a:r>
+              <a:rPr lang="en-US" baseline="-25000" dirty="0" smtClean="0"/>
+              <a:t>2</a:t>
+            </a:r>
+            <a:r>
+              <a:rPr lang="en-US" dirty="0" smtClean="0"/>
+              <a:t>, where θ</a:t>
+            </a:r>
+            <a:r>
+              <a:rPr lang="en-US" baseline="-25000" dirty="0" smtClean="0"/>
+              <a:t>1</a:t>
+            </a:r>
+            <a:r>
+              <a:rPr lang="en-US" dirty="0" smtClean="0"/>
+              <a:t> and θ</a:t>
+            </a:r>
+            <a:r>
+              <a:rPr lang="en-US" baseline="-25000" dirty="0" smtClean="0"/>
+              <a:t>2</a:t>
+            </a:r>
+            <a:r>
+              <a:rPr lang="en-US" dirty="0" smtClean="0"/>
+              <a:t> are the angles of incidence of a ray crossing the interface between two media with refractive indices </a:t>
+            </a:r>
+            <a:r>
+              <a:rPr lang="en-US" i="1" dirty="0" smtClean="0"/>
+              <a:t>n</a:t>
+            </a:r>
+            <a:r>
+              <a:rPr lang="en-US" baseline="-25000" dirty="0" smtClean="0"/>
+              <a:t>1</a:t>
+            </a:r>
+            <a:r>
+              <a:rPr lang="en-US" dirty="0" smtClean="0"/>
+              <a:t> and </a:t>
+            </a:r>
+            <a:r>
+              <a:rPr lang="en-US" i="1" dirty="0" smtClean="0"/>
+              <a:t>n</a:t>
+            </a:r>
+            <a:r>
+              <a:rPr lang="en-US" baseline="-25000" dirty="0" smtClean="0"/>
+              <a:t>2</a:t>
+            </a:r>
+            <a:r>
+              <a:rPr lang="en-US" dirty="0" smtClean="0"/>
+              <a:t>.</a:t>
+            </a:r>
+            <a:endParaRPr lang="en-US" dirty="0"/>
           </a:p>
         </p:txBody>
       </p:sp>
       <p:pic>
         <p:nvPicPr>
-          <p:cNvPr id="5122" name="Picture 2" descr="J:\Downloads\metamaterials-breakthrough-wide-spectrum-optical-invisibility-cloak-10.jpg"/>
+          <p:cNvPr id="7170" name="Picture 2" descr="C:\Users\Junaid\Desktop\k.PNG"/>
           <p:cNvPicPr>
             <a:picLocks noChangeAspect="1" noChangeArrowheads="1"/>
           </p:cNvPicPr>
           <p:nvPr/>
         </p:nvPicPr>
         <p:blipFill>
-          <a:blip r:embed="rId3" cstate="print"/>
+          <a:blip r:embed="rId2" cstate="print"/>
           <a:srcRect/>
           <a:stretch>
             <a:fillRect/>
@@ -6668,8 +6632,8 @@
         </p:blipFill>
         <p:spPr bwMode="auto">
           <a:xfrm>
-            <a:off x="1981200" y="2667000"/>
-            <a:ext cx="5038725" cy="3181350"/>
+            <a:off x="762000" y="2043113"/>
+            <a:ext cx="1115914" cy="776288"/>
           </a:xfrm>
           <a:prstGeom prst="rect">
             <a:avLst/>
@@ -6682,13 +6646,13 @@
   <p:clrMapOvr>
     <a:masterClrMapping/>
   </p:clrMapOvr>
-  <mc:AlternateContent xmlns:mc="http://schemas.openxmlformats.org/markup-compatibility/2006">
-    <mc:Choice xmlns:p14="http://schemas.microsoft.com/office/powerpoint/2010/main" Requires="p14">
+  <mc:AlternateContent xmlns:mc="http://schemas.openxmlformats.org/markup-compatibility/2006" xmlns:p14="http://schemas.microsoft.com/office/powerpoint/2010/main">
+    <mc:Choice Requires="p14">
       <p:transition spd="med" p14:dur="700">
         <p:fade/>
       </p:transition>
     </mc:Choice>
-    <mc:Fallback>
+    <mc:Fallback xmlns="">
       <p:transition spd="med">
         <p:fade/>
       </p:transition>
@@ -6756,20 +6720,22 @@
         </p:nvSpPr>
         <p:spPr/>
         <p:txBody>
-          <a:bodyPr/>
-          <a:lstStyle/>
-          <a:p>
-            <a:r>
-              <a:rPr lang="en-US" dirty="0" err="1" smtClean="0"/>
-              <a:t>Superlense</a:t>
-            </a:r>
-            <a:endParaRPr lang="en-US" dirty="0"/>
+          <a:bodyPr>
+            <a:normAutofit/>
+          </a:bodyPr>
+          <a:lstStyle/>
+          <a:p>
+            <a:r>
+              <a:rPr lang="en-US" sz="2400" dirty="0" smtClean="0"/>
+              <a:t>Cloaking</a:t>
+            </a:r>
+            <a:endParaRPr lang="en-US" sz="2000" dirty="0"/>
           </a:p>
         </p:txBody>
       </p:sp>
       <p:pic>
         <p:nvPicPr>
-          <p:cNvPr id="8194" name="Picture 2" descr="J:\Downloads\320px-Negative_refraction_index_focusing.png"/>
+          <p:cNvPr id="5122" name="Picture 2" descr="J:\Downloads\metamaterials-breakthrough-wide-spectrum-optical-invisibility-cloak-10.jpg"/>
           <p:cNvPicPr>
             <a:picLocks noChangeAspect="1" noChangeArrowheads="1"/>
           </p:cNvPicPr>
@@ -6784,8 +6750,8 @@
         </p:blipFill>
         <p:spPr bwMode="auto">
           <a:xfrm>
-            <a:off x="2438400" y="2514600"/>
-            <a:ext cx="6004723" cy="3657600"/>
+            <a:off x="1981200" y="2667000"/>
+            <a:ext cx="5038725" cy="3181350"/>
           </a:xfrm>
           <a:prstGeom prst="rect">
             <a:avLst/>
@@ -6798,13 +6764,13 @@
   <p:clrMapOvr>
     <a:masterClrMapping/>
   </p:clrMapOvr>
-  <mc:AlternateContent xmlns:mc="http://schemas.openxmlformats.org/markup-compatibility/2006">
-    <mc:Choice xmlns:p14="http://schemas.microsoft.com/office/powerpoint/2010/main" Requires="p14">
+  <mc:AlternateContent xmlns:mc="http://schemas.openxmlformats.org/markup-compatibility/2006" xmlns:p14="http://schemas.microsoft.com/office/powerpoint/2010/main">
+    <mc:Choice Requires="p14">
       <p:transition spd="med" p14:dur="700">
         <p:fade/>
       </p:transition>
     </mc:Choice>
-    <mc:Fallback>
+    <mc:Fallback xmlns="">
       <p:transition spd="med">
         <p:fade/>
       </p:transition>
@@ -6876,36 +6842,148 @@
           <a:lstStyle/>
           <a:p>
             <a:r>
-              <a:rPr lang="en-US" dirty="0" smtClean="0"/>
-              <a:t>Absorber</a:t>
-            </a:r>
-          </a:p>
-          <a:p>
-            <a:pPr lvl="1" algn="just"/>
-            <a:r>
-              <a:rPr lang="en-US" dirty="0" smtClean="0"/>
-              <a:t>An electromagnetic absorber neither reflects nor transmits the incident radiation. Therefore, the power of the impinging wave is mostly absorbed in the absorber </a:t>
-            </a:r>
-            <a:r>
-              <a:rPr lang="en-US" dirty="0" smtClean="0"/>
-              <a:t>materials</a:t>
+              <a:rPr lang="en-US" dirty="0" err="1" smtClean="0"/>
+              <a:t>Superlense</a:t>
             </a:r>
             <a:endParaRPr lang="en-US" dirty="0"/>
           </a:p>
         </p:txBody>
       </p:sp>
+      <p:pic>
+        <p:nvPicPr>
+          <p:cNvPr id="8194" name="Picture 2" descr="J:\Downloads\320px-Negative_refraction_index_focusing.png"/>
+          <p:cNvPicPr>
+            <a:picLocks noChangeAspect="1" noChangeArrowheads="1"/>
+          </p:cNvPicPr>
+          <p:nvPr/>
+        </p:nvPicPr>
+        <p:blipFill>
+          <a:blip r:embed="rId3" cstate="print"/>
+          <a:srcRect/>
+          <a:stretch>
+            <a:fillRect/>
+          </a:stretch>
+        </p:blipFill>
+        <p:spPr bwMode="auto">
+          <a:xfrm>
+            <a:off x="2438400" y="2514600"/>
+            <a:ext cx="6004723" cy="3657600"/>
+          </a:xfrm>
+          <a:prstGeom prst="rect">
+            <a:avLst/>
+          </a:prstGeom>
+          <a:noFill/>
+        </p:spPr>
+      </p:pic>
     </p:spTree>
   </p:cSld>
   <p:clrMapOvr>
     <a:masterClrMapping/>
   </p:clrMapOvr>
-  <mc:AlternateContent xmlns:mc="http://schemas.openxmlformats.org/markup-compatibility/2006">
-    <mc:Choice xmlns:p14="http://schemas.microsoft.com/office/powerpoint/2010/main" Requires="p14">
+  <mc:AlternateContent xmlns:mc="http://schemas.openxmlformats.org/markup-compatibility/2006" xmlns:p14="http://schemas.microsoft.com/office/powerpoint/2010/main">
+    <mc:Choice Requires="p14">
       <p:transition spd="med" p14:dur="700">
         <p:fade/>
       </p:transition>
     </mc:Choice>
-    <mc:Fallback>
+    <mc:Fallback xmlns="">
+      <p:transition spd="med">
+        <p:fade/>
+      </p:transition>
+    </mc:Fallback>
+  </mc:AlternateContent>
+  <p:timing>
+    <p:tnLst>
+      <p:par>
+        <p:cTn id="1" dur="indefinite" restart="never" nodeType="tmRoot"/>
+      </p:par>
+    </p:tnLst>
+  </p:timing>
+</p:sld>
+</file>
+
+<file path=ppt/slides/slide19.xml><?xml version="1.0" encoding="utf-8"?>
+<p:sld xmlns:a="http://schemas.openxmlformats.org/drawingml/2006/main" xmlns:r="http://schemas.openxmlformats.org/officeDocument/2006/relationships" xmlns:p="http://schemas.openxmlformats.org/presentationml/2006/main">
+  <p:cSld>
+    <p:spTree>
+      <p:nvGrpSpPr>
+        <p:cNvPr id="1" name=""/>
+        <p:cNvGrpSpPr/>
+        <p:nvPr/>
+      </p:nvGrpSpPr>
+      <p:grpSpPr>
+        <a:xfrm>
+          <a:off x="0" y="0"/>
+          <a:ext cx="0" cy="0"/>
+          <a:chOff x="0" y="0"/>
+          <a:chExt cx="0" cy="0"/>
+        </a:xfrm>
+      </p:grpSpPr>
+      <p:sp>
+        <p:nvSpPr>
+          <p:cNvPr id="2" name="Title 1"/>
+          <p:cNvSpPr>
+            <a:spLocks noGrp="1"/>
+          </p:cNvSpPr>
+          <p:nvPr>
+            <p:ph type="title"/>
+          </p:nvPr>
+        </p:nvSpPr>
+        <p:spPr/>
+        <p:txBody>
+          <a:bodyPr/>
+          <a:lstStyle/>
+          <a:p>
+            <a:r>
+              <a:rPr lang="en-US" b="1" dirty="0" smtClean="0"/>
+              <a:t>Applications of NIM</a:t>
+            </a:r>
+            <a:endParaRPr lang="en-US" b="1" dirty="0"/>
+          </a:p>
+        </p:txBody>
+      </p:sp>
+      <p:sp>
+        <p:nvSpPr>
+          <p:cNvPr id="3" name="Content Placeholder 2"/>
+          <p:cNvSpPr>
+            <a:spLocks noGrp="1"/>
+          </p:cNvSpPr>
+          <p:nvPr>
+            <p:ph idx="1"/>
+          </p:nvPr>
+        </p:nvSpPr>
+        <p:spPr/>
+        <p:txBody>
+          <a:bodyPr/>
+          <a:lstStyle/>
+          <a:p>
+            <a:r>
+              <a:rPr lang="en-US" dirty="0" smtClean="0"/>
+              <a:t>Absorber</a:t>
+            </a:r>
+          </a:p>
+          <a:p>
+            <a:pPr lvl="1" algn="just"/>
+            <a:r>
+              <a:rPr lang="en-US" dirty="0" smtClean="0"/>
+              <a:t>An electromagnetic absorber neither reflects nor transmits the incident radiation. Therefore, the power of the impinging wave is mostly absorbed in the absorber materials</a:t>
+            </a:r>
+            <a:endParaRPr lang="en-US" dirty="0"/>
+          </a:p>
+        </p:txBody>
+      </p:sp>
+    </p:spTree>
+  </p:cSld>
+  <p:clrMapOvr>
+    <a:masterClrMapping/>
+  </p:clrMapOvr>
+  <mc:AlternateContent xmlns:mc="http://schemas.openxmlformats.org/markup-compatibility/2006" xmlns:p14="http://schemas.microsoft.com/office/powerpoint/2010/main">
+    <mc:Choice Requires="p14">
+      <p:transition spd="med" p14:dur="700">
+        <p:fade/>
+      </p:transition>
+    </mc:Choice>
+    <mc:Fallback xmlns="">
       <p:transition spd="med">
         <p:fade/>
       </p:transition>
@@ -6996,13 +7074,13 @@
   <p:clrMapOvr>
     <a:masterClrMapping/>
   </p:clrMapOvr>
-  <mc:AlternateContent xmlns:mc="http://schemas.openxmlformats.org/markup-compatibility/2006">
-    <mc:Choice xmlns:p14="http://schemas.microsoft.com/office/powerpoint/2010/main" Requires="p14">
+  <mc:AlternateContent xmlns:mc="http://schemas.openxmlformats.org/markup-compatibility/2006" xmlns:p14="http://schemas.microsoft.com/office/powerpoint/2010/main">
+    <mc:Choice Requires="p14">
       <p:transition spd="med" p14:dur="700">
         <p:fade/>
       </p:transition>
     </mc:Choice>
-    <mc:Fallback>
+    <mc:Fallback xmlns="">
       <p:transition spd="med">
         <p:fade/>
       </p:transition>
@@ -7116,15 +7194,7 @@
             <a:pPr lvl="1" algn="just"/>
             <a:r>
               <a:rPr lang="en-US" dirty="0" smtClean="0"/>
-              <a:t>It </a:t>
-            </a:r>
-            <a:r>
-              <a:rPr lang="en-US" dirty="0" smtClean="0"/>
-              <a:t>is readily parallelizable on hardware like GPU</a:t>
-            </a:r>
-            <a:r>
-              <a:rPr lang="en-US" dirty="0" smtClean="0"/>
-              <a:t>.</a:t>
+              <a:t>It is readily parallelizable on hardware like GPU.</a:t>
             </a:r>
           </a:p>
           <a:p>
@@ -7150,13 +7220,13 @@
   <p:clrMapOvr>
     <a:masterClrMapping/>
   </p:clrMapOvr>
-  <mc:AlternateContent xmlns:mc="http://schemas.openxmlformats.org/markup-compatibility/2006">
-    <mc:Choice xmlns:p14="http://schemas.microsoft.com/office/powerpoint/2010/main" Requires="p14">
+  <mc:AlternateContent xmlns:mc="http://schemas.openxmlformats.org/markup-compatibility/2006" xmlns:p14="http://schemas.microsoft.com/office/powerpoint/2010/main">
+    <mc:Choice Requires="p14">
       <p:transition spd="med" p14:dur="700">
         <p:fade/>
       </p:transition>
     </mc:Choice>
-    <mc:Fallback>
+    <mc:Fallback xmlns="">
       <p:transition spd="med">
         <p:fade/>
       </p:transition>
@@ -7261,13 +7331,13 @@
   <p:clrMapOvr>
     <a:masterClrMapping/>
   </p:clrMapOvr>
-  <mc:AlternateContent xmlns:mc="http://schemas.openxmlformats.org/markup-compatibility/2006">
-    <mc:Choice xmlns:p14="http://schemas.microsoft.com/office/powerpoint/2010/main" Requires="p14">
+  <mc:AlternateContent xmlns:mc="http://schemas.openxmlformats.org/markup-compatibility/2006" xmlns:p14="http://schemas.microsoft.com/office/powerpoint/2010/main">
+    <mc:Choice Requires="p14">
       <p:transition spd="med" p14:dur="700">
         <p:fade/>
       </p:transition>
     </mc:Choice>
-    <mc:Fallback>
+    <mc:Fallback xmlns="">
       <p:transition spd="med">
         <p:fade/>
       </p:transition>
@@ -7357,13 +7427,13 @@
   <p:clrMapOvr>
     <a:masterClrMapping/>
   </p:clrMapOvr>
-  <mc:AlternateContent xmlns:mc="http://schemas.openxmlformats.org/markup-compatibility/2006">
-    <mc:Choice xmlns:p14="http://schemas.microsoft.com/office/powerpoint/2010/main" Requires="p14">
+  <mc:AlternateContent xmlns:mc="http://schemas.openxmlformats.org/markup-compatibility/2006" xmlns:p14="http://schemas.microsoft.com/office/powerpoint/2010/main">
+    <mc:Choice Requires="p14">
       <p:transition spd="med" p14:dur="700">
         <p:fade/>
       </p:transition>
     </mc:Choice>
-    <mc:Fallback>
+    <mc:Fallback xmlns="">
       <p:transition spd="med">
         <p:fade/>
       </p:transition>
@@ -7568,13 +7638,13 @@
   <p:clrMapOvr>
     <a:masterClrMapping/>
   </p:clrMapOvr>
-  <mc:AlternateContent xmlns:mc="http://schemas.openxmlformats.org/markup-compatibility/2006">
-    <mc:Choice xmlns:p14="http://schemas.microsoft.com/office/powerpoint/2010/main" Requires="p14">
+  <mc:AlternateContent xmlns:mc="http://schemas.openxmlformats.org/markup-compatibility/2006" xmlns:p14="http://schemas.microsoft.com/office/powerpoint/2010/main">
+    <mc:Choice Requires="p14">
       <p:transition spd="med" p14:dur="700">
         <p:fade/>
       </p:transition>
     </mc:Choice>
-    <mc:Fallback>
+    <mc:Fallback xmlns="">
       <p:transition spd="med">
         <p:fade/>
       </p:transition>
@@ -7781,13 +7851,13 @@
   <p:clrMapOvr>
     <a:masterClrMapping/>
   </p:clrMapOvr>
-  <mc:AlternateContent xmlns:mc="http://schemas.openxmlformats.org/markup-compatibility/2006">
-    <mc:Choice xmlns:p14="http://schemas.microsoft.com/office/powerpoint/2010/main" Requires="p14">
+  <mc:AlternateContent xmlns:mc="http://schemas.openxmlformats.org/markup-compatibility/2006" xmlns:p14="http://schemas.microsoft.com/office/powerpoint/2010/main">
+    <mc:Choice Requires="p14">
       <p:transition spd="med" p14:dur="700">
         <p:fade/>
       </p:transition>
     </mc:Choice>
-    <mc:Fallback>
+    <mc:Fallback xmlns="">
       <p:transition spd="med">
         <p:fade/>
       </p:transition>
@@ -7882,13 +7952,13 @@
   <p:clrMapOvr>
     <a:masterClrMapping/>
   </p:clrMapOvr>
-  <mc:AlternateContent xmlns:mc="http://schemas.openxmlformats.org/markup-compatibility/2006">
-    <mc:Choice xmlns:p14="http://schemas.microsoft.com/office/powerpoint/2010/main" Requires="p14">
+  <mc:AlternateContent xmlns:mc="http://schemas.openxmlformats.org/markup-compatibility/2006" xmlns:p14="http://schemas.microsoft.com/office/powerpoint/2010/main">
+    <mc:Choice Requires="p14">
       <p:transition spd="med" p14:dur="700">
         <p:fade/>
       </p:transition>
     </mc:Choice>
-    <mc:Fallback>
+    <mc:Fallback xmlns="">
       <p:transition spd="med">
         <p:fade/>
       </p:transition>
@@ -8266,13 +8336,13 @@
   <p:clrMapOvr>
     <a:masterClrMapping/>
   </p:clrMapOvr>
-  <mc:AlternateContent xmlns:mc="http://schemas.openxmlformats.org/markup-compatibility/2006">
-    <mc:Choice xmlns:p14="http://schemas.microsoft.com/office/powerpoint/2010/main" Requires="p14">
+  <mc:AlternateContent xmlns:mc="http://schemas.openxmlformats.org/markup-compatibility/2006" xmlns:p14="http://schemas.microsoft.com/office/powerpoint/2010/main">
+    <mc:Choice Requires="p14">
       <p:transition spd="med" p14:dur="700">
         <p:fade/>
       </p:transition>
     </mc:Choice>
-    <mc:Fallback>
+    <mc:Fallback xmlns="">
       <p:transition spd="med">
         <p:fade/>
       </p:transition>
